--- a/Submission Folder/NaiveBayes.pptx
+++ b/Submission Folder/NaiveBayes.pptx
@@ -5,15 +5,15 @@
     <p:sldMasterId id="2147483648" r:id="rId1"/>
   </p:sldMasterIdLst>
   <p:notesMasterIdLst>
-    <p:notesMasterId r:id="rId20"/>
+    <p:notesMasterId r:id="rId21"/>
   </p:notesMasterIdLst>
   <p:sldIdLst>
     <p:sldId id="260" r:id="rId2"/>
     <p:sldId id="262" r:id="rId3"/>
     <p:sldId id="269" r:id="rId4"/>
-    <p:sldId id="270" r:id="rId5"/>
-    <p:sldId id="273" r:id="rId6"/>
-    <p:sldId id="272" r:id="rId7"/>
+    <p:sldId id="272" r:id="rId5"/>
+    <p:sldId id="270" r:id="rId6"/>
+    <p:sldId id="273" r:id="rId7"/>
     <p:sldId id="268" r:id="rId8"/>
     <p:sldId id="274" r:id="rId9"/>
     <p:sldId id="282" r:id="rId10"/>
@@ -23,9 +23,10 @@
     <p:sldId id="280" r:id="rId14"/>
     <p:sldId id="277" r:id="rId15"/>
     <p:sldId id="279" r:id="rId16"/>
-    <p:sldId id="278" r:id="rId17"/>
-    <p:sldId id="271" r:id="rId18"/>
-    <p:sldId id="261" r:id="rId19"/>
+    <p:sldId id="283" r:id="rId17"/>
+    <p:sldId id="278" r:id="rId18"/>
+    <p:sldId id="271" r:id="rId19"/>
+    <p:sldId id="261" r:id="rId20"/>
   </p:sldIdLst>
   <p:sldSz cx="12192000" cy="6858000"/>
   <p:notesSz cx="6858000" cy="9144000"/>
@@ -6318,7 +6319,7 @@
           <a:p>
             <a:fld id="{43CB2211-52D0-4B85-A478-AB8408D75973}" type="datetimeFigureOut">
               <a:rPr lang="en-DE" smtClean="0"/>
-              <a:t>08/06/2023</a:t>
+              <a:t>24/06/2023</a:t>
             </a:fld>
             <a:endParaRPr lang="en-DE"/>
           </a:p>
@@ -6630,45 +6631,57 @@
           <a:bodyPr/>
           <a:lstStyle/>
           <a:p>
-            <a:pPr marL="171450" indent="-171450">
-              <a:buFontTx/>
-              <a:buChar char="-"/>
+            <a:r>
+              <a:rPr lang="en-GB" i="1" dirty="0"/>
+              <a:t>Machine learning is the training of a model from data that generalizes a decision against a performance measure.</a:t>
+            </a:r>
+          </a:p>
+          <a:p>
+            <a:endParaRPr lang="en-GB" i="1" dirty="0"/>
+          </a:p>
+          <a:p>
+            <a:r>
+              <a:rPr lang="en-GB" dirty="0"/>
+              <a:t>The following are some considerations to define a learning problem:</a:t>
+            </a:r>
+          </a:p>
+          <a:p>
+            <a:pPr>
+              <a:buFont typeface="Arial" panose="020B0604020202020204" pitchFamily="34" charset="0"/>
+              <a:buChar char="•"/>
             </a:pPr>
             <a:r>
-              <a:rPr lang="en-GB" dirty="0"/>
-              <a:t>The diagram displays the different types of probability. </a:t>
+              <a:rPr lang="en-GB" dirty="0">
+                <a:effectLst/>
+              </a:rPr>
+              <a:t>Provide a definition of what the learner should learn and the need for learning.</a:t>
             </a:r>
           </a:p>
           <a:p>
-            <a:pPr marL="171450" indent="-171450">
-              <a:buFontTx/>
-              <a:buChar char="-"/>
+            <a:pPr>
+              <a:buFont typeface="Arial" panose="020B0604020202020204" pitchFamily="34" charset="0"/>
+              <a:buChar char="•"/>
             </a:pPr>
             <a:r>
-              <a:rPr lang="en-GB" dirty="0"/>
-              <a:t>-N/B it is a </a:t>
+              <a:rPr lang="en-GB" dirty="0">
+                <a:effectLst/>
+              </a:rPr>
+              <a:t>Define the data requirements and the sources of the data.</a:t>
             </a:r>
-            <a:r>
-              <a:rPr lang="en-GB" b="0" i="1" dirty="0">
-                <a:solidFill>
-                  <a:schemeClr val="bg1"/>
-                </a:solidFill>
-                <a:effectLst/>
-                <a:latin typeface="Noto serif" panose="020B0604020202020204" pitchFamily="18" charset="0"/>
-              </a:rPr>
-              <a:t>supervised learning technique </a:t>
-            </a:r>
-            <a:endParaRPr lang="en-GB" dirty="0"/>
-          </a:p>
-          <a:p>
-            <a:pPr marL="171450" indent="-171450">
-              <a:buFontTx/>
-              <a:buChar char="-"/>
+          </a:p>
+          <a:p>
+            <a:pPr>
+              <a:buFont typeface="Arial" panose="020B0604020202020204" pitchFamily="34" charset="0"/>
+              <a:buChar char="•"/>
             </a:pPr>
             <a:r>
-              <a:rPr lang="en-GB" dirty="0"/>
-              <a:t>Applying Bayes theorem, </a:t>
+              <a:rPr lang="en-GB" dirty="0">
+                <a:effectLst/>
+              </a:rPr>
+              <a:t>Define if the learner should operate on the dataset in entirety or a subset will do.</a:t>
             </a:r>
+          </a:p>
+          <a:p>
             <a:endParaRPr lang="en-DE" dirty="0"/>
           </a:p>
         </p:txBody>
@@ -6690,7 +6703,7 @@
           <a:p>
             <a:fld id="{3DA2775C-8C96-4BD1-ABF1-80130B631F8F}" type="slidenum">
               <a:rPr lang="en-DE" smtClean="0"/>
-              <a:t>4</a:t>
+              <a:t>3</a:t>
             </a:fld>
             <a:endParaRPr lang="en-DE"/>
           </a:p>
@@ -6699,7 +6712,7 @@
     </p:spTree>
     <p:extLst>
       <p:ext uri="{BB962C8B-B14F-4D97-AF65-F5344CB8AC3E}">
-        <p14:creationId xmlns:p14="http://schemas.microsoft.com/office/powerpoint/2010/main" val="1710306313"/>
+        <p14:creationId xmlns:p14="http://schemas.microsoft.com/office/powerpoint/2010/main" val="2462667931"/>
       </p:ext>
     </p:extLst>
   </p:cSld>
@@ -6784,7 +6797,7 @@
           <a:p>
             <a:fld id="{3DA2775C-8C96-4BD1-ABF1-80130B631F8F}" type="slidenum">
               <a:rPr lang="en-DE" smtClean="0"/>
-              <a:t>15</a:t>
+              <a:t>13</a:t>
             </a:fld>
             <a:endParaRPr lang="en-DE"/>
           </a:p>
@@ -6793,7 +6806,7 @@
     </p:spTree>
     <p:extLst>
       <p:ext uri="{BB962C8B-B14F-4D97-AF65-F5344CB8AC3E}">
-        <p14:creationId xmlns:p14="http://schemas.microsoft.com/office/powerpoint/2010/main" val="2303833855"/>
+        <p14:creationId xmlns:p14="http://schemas.microsoft.com/office/powerpoint/2010/main" val="1412914420"/>
       </p:ext>
     </p:extLst>
   </p:cSld>
@@ -6848,14 +6861,15 @@
           <a:lstStyle/>
           <a:p>
             <a:r>
-              <a:rPr lang="en-GB" b="0" i="0" dirty="0">
+              <a:rPr lang="en-US" sz="1200" b="1" kern="1200" dirty="0" err="1">
                 <a:solidFill>
-                  <a:srgbClr val="3D3B49"/>
+                  <a:schemeClr val="tx1"/>
                 </a:solidFill>
-                <a:effectLst/>
-                <a:latin typeface="Noto serif" panose="02020600060500020200" pitchFamily="18" charset="0"/>
+                <a:latin typeface="+mj-lt"/>
+                <a:ea typeface="+mj-ea"/>
+                <a:cs typeface="+mj-cs"/>
               </a:rPr>
-              <a:t>we will look at the Naïve Bayes classifiers and how they are used to solve the classification problems</a:t>
+              <a:t>BernNB_GausNB_MultNB_Comparison</a:t>
             </a:r>
             <a:endParaRPr lang="en-DE" dirty="0"/>
           </a:p>
@@ -6878,7 +6892,304 @@
           <a:p>
             <a:fld id="{3DA2775C-8C96-4BD1-ABF1-80130B631F8F}" type="slidenum">
               <a:rPr lang="en-DE" smtClean="0"/>
+              <a:t>14</a:t>
+            </a:fld>
+            <a:endParaRPr lang="en-DE"/>
+          </a:p>
+        </p:txBody>
+      </p:sp>
+    </p:spTree>
+    <p:extLst>
+      <p:ext uri="{BB962C8B-B14F-4D97-AF65-F5344CB8AC3E}">
+        <p14:creationId xmlns:p14="http://schemas.microsoft.com/office/powerpoint/2010/main" val="1893106965"/>
+      </p:ext>
+    </p:extLst>
+  </p:cSld>
+  <p:clrMapOvr>
+    <a:masterClrMapping/>
+  </p:clrMapOvr>
+</p:notes>
+</file>
+
+<file path=ppt/notesSlides/notesSlide12.xml><?xml version="1.0" encoding="utf-8"?>
+<p:notes xmlns:a="http://schemas.openxmlformats.org/drawingml/2006/main" xmlns:r="http://schemas.openxmlformats.org/officeDocument/2006/relationships" xmlns:p="http://schemas.openxmlformats.org/presentationml/2006/main">
+  <p:cSld>
+    <p:spTree>
+      <p:nvGrpSpPr>
+        <p:cNvPr id="1" name=""/>
+        <p:cNvGrpSpPr/>
+        <p:nvPr/>
+      </p:nvGrpSpPr>
+      <p:grpSpPr>
+        <a:xfrm>
+          <a:off x="0" y="0"/>
+          <a:ext cx="0" cy="0"/>
+          <a:chOff x="0" y="0"/>
+          <a:chExt cx="0" cy="0"/>
+        </a:xfrm>
+      </p:grpSpPr>
+      <p:sp>
+        <p:nvSpPr>
+          <p:cNvPr id="2" name="Slide Image Placeholder 1"/>
+          <p:cNvSpPr>
+            <a:spLocks noGrp="1" noRot="1" noChangeAspect="1"/>
+          </p:cNvSpPr>
+          <p:nvPr>
+            <p:ph type="sldImg"/>
+          </p:nvPr>
+        </p:nvSpPr>
+        <p:spPr/>
+      </p:sp>
+      <p:sp>
+        <p:nvSpPr>
+          <p:cNvPr id="3" name="Notes Placeholder 2"/>
+          <p:cNvSpPr>
+            <a:spLocks noGrp="1"/>
+          </p:cNvSpPr>
+          <p:nvPr>
+            <p:ph type="body" idx="1"/>
+          </p:nvPr>
+        </p:nvSpPr>
+        <p:spPr/>
+        <p:txBody>
+          <a:bodyPr/>
+          <a:lstStyle/>
+          <a:p>
+            <a:r>
+              <a:rPr lang="en-GB" b="0" i="0" dirty="0">
+                <a:solidFill>
+                  <a:srgbClr val="3D3B49"/>
+                </a:solidFill>
+                <a:effectLst/>
+                <a:latin typeface="Noto serif" panose="02020600060500020200" pitchFamily="18" charset="0"/>
+              </a:rPr>
+              <a:t>we will look at the Naïve Bayes classifiers and how they are used to solve the classification problems</a:t>
+            </a:r>
+          </a:p>
+          <a:p>
+            <a:endParaRPr lang="en-GB" b="0" i="0" dirty="0">
+              <a:solidFill>
+                <a:srgbClr val="3D3B49"/>
+              </a:solidFill>
+              <a:effectLst/>
+              <a:latin typeface="Noto serif" panose="02020600060500020200" pitchFamily="18" charset="0"/>
+            </a:endParaRPr>
+          </a:p>
+          <a:p>
+            <a:r>
+              <a:rPr lang="en-GB" dirty="0"/>
+              <a:t>Naïve Bayes classifiers are easy to build, do not involve any iterative process</a:t>
+            </a:r>
+            <a:endParaRPr lang="en-DE" dirty="0"/>
+          </a:p>
+        </p:txBody>
+      </p:sp>
+      <p:sp>
+        <p:nvSpPr>
+          <p:cNvPr id="4" name="Slide Number Placeholder 3"/>
+          <p:cNvSpPr>
+            <a:spLocks noGrp="1"/>
+          </p:cNvSpPr>
+          <p:nvPr>
+            <p:ph type="sldNum" sz="quarter" idx="5"/>
+          </p:nvPr>
+        </p:nvSpPr>
+        <p:spPr/>
+        <p:txBody>
+          <a:bodyPr/>
+          <a:lstStyle/>
+          <a:p>
+            <a:fld id="{3DA2775C-8C96-4BD1-ABF1-80130B631F8F}" type="slidenum">
+              <a:rPr lang="en-DE" smtClean="0"/>
+              <a:t>15</a:t>
+            </a:fld>
+            <a:endParaRPr lang="en-DE"/>
+          </a:p>
+        </p:txBody>
+      </p:sp>
+    </p:spTree>
+    <p:extLst>
+      <p:ext uri="{BB962C8B-B14F-4D97-AF65-F5344CB8AC3E}">
+        <p14:creationId xmlns:p14="http://schemas.microsoft.com/office/powerpoint/2010/main" val="2303833855"/>
+      </p:ext>
+    </p:extLst>
+  </p:cSld>
+  <p:clrMapOvr>
+    <a:masterClrMapping/>
+  </p:clrMapOvr>
+</p:notes>
+</file>
+
+<file path=ppt/notesSlides/notesSlide13.xml><?xml version="1.0" encoding="utf-8"?>
+<p:notes xmlns:a="http://schemas.openxmlformats.org/drawingml/2006/main" xmlns:r="http://schemas.openxmlformats.org/officeDocument/2006/relationships" xmlns:p="http://schemas.openxmlformats.org/presentationml/2006/main">
+  <p:cSld>
+    <p:spTree>
+      <p:nvGrpSpPr>
+        <p:cNvPr id="1" name=""/>
+        <p:cNvGrpSpPr/>
+        <p:nvPr/>
+      </p:nvGrpSpPr>
+      <p:grpSpPr>
+        <a:xfrm>
+          <a:off x="0" y="0"/>
+          <a:ext cx="0" cy="0"/>
+          <a:chOff x="0" y="0"/>
+          <a:chExt cx="0" cy="0"/>
+        </a:xfrm>
+      </p:grpSpPr>
+      <p:sp>
+        <p:nvSpPr>
+          <p:cNvPr id="2" name="Slide Image Placeholder 1"/>
+          <p:cNvSpPr>
+            <a:spLocks noGrp="1" noRot="1" noChangeAspect="1"/>
+          </p:cNvSpPr>
+          <p:nvPr>
+            <p:ph type="sldImg"/>
+          </p:nvPr>
+        </p:nvSpPr>
+        <p:spPr/>
+      </p:sp>
+      <p:sp>
+        <p:nvSpPr>
+          <p:cNvPr id="3" name="Notes Placeholder 2"/>
+          <p:cNvSpPr>
+            <a:spLocks noGrp="1"/>
+          </p:cNvSpPr>
+          <p:nvPr>
+            <p:ph type="body" idx="1"/>
+          </p:nvPr>
+        </p:nvSpPr>
+        <p:spPr/>
+        <p:txBody>
+          <a:bodyPr/>
+          <a:lstStyle/>
+          <a:p>
+            <a:r>
+              <a:rPr lang="en-GB" b="0" i="0" dirty="0">
+                <a:solidFill>
+                  <a:srgbClr val="3D3B49"/>
+                </a:solidFill>
+                <a:effectLst/>
+                <a:latin typeface="Noto serif" panose="02020600060500020200" pitchFamily="18" charset="0"/>
+              </a:rPr>
+              <a:t>we will look at the Naïve Bayes classifiers and how they are used to solve the classification problems</a:t>
+            </a:r>
+            <a:endParaRPr lang="en-DE" dirty="0"/>
+          </a:p>
+        </p:txBody>
+      </p:sp>
+      <p:sp>
+        <p:nvSpPr>
+          <p:cNvPr id="4" name="Slide Number Placeholder 3"/>
+          <p:cNvSpPr>
+            <a:spLocks noGrp="1"/>
+          </p:cNvSpPr>
+          <p:nvPr>
+            <p:ph type="sldNum" sz="quarter" idx="5"/>
+          </p:nvPr>
+        </p:nvSpPr>
+        <p:spPr/>
+        <p:txBody>
+          <a:bodyPr/>
+          <a:lstStyle/>
+          <a:p>
+            <a:fld id="{3DA2775C-8C96-4BD1-ABF1-80130B631F8F}" type="slidenum">
+              <a:rPr lang="en-DE" smtClean="0"/>
               <a:t>16</a:t>
+            </a:fld>
+            <a:endParaRPr lang="en-DE"/>
+          </a:p>
+        </p:txBody>
+      </p:sp>
+    </p:spTree>
+    <p:extLst>
+      <p:ext uri="{BB962C8B-B14F-4D97-AF65-F5344CB8AC3E}">
+        <p14:creationId xmlns:p14="http://schemas.microsoft.com/office/powerpoint/2010/main" val="3176046094"/>
+      </p:ext>
+    </p:extLst>
+  </p:cSld>
+  <p:clrMapOvr>
+    <a:masterClrMapping/>
+  </p:clrMapOvr>
+</p:notes>
+</file>
+
+<file path=ppt/notesSlides/notesSlide14.xml><?xml version="1.0" encoding="utf-8"?>
+<p:notes xmlns:a="http://schemas.openxmlformats.org/drawingml/2006/main" xmlns:r="http://schemas.openxmlformats.org/officeDocument/2006/relationships" xmlns:p="http://schemas.openxmlformats.org/presentationml/2006/main">
+  <p:cSld>
+    <p:spTree>
+      <p:nvGrpSpPr>
+        <p:cNvPr id="1" name=""/>
+        <p:cNvGrpSpPr/>
+        <p:nvPr/>
+      </p:nvGrpSpPr>
+      <p:grpSpPr>
+        <a:xfrm>
+          <a:off x="0" y="0"/>
+          <a:ext cx="0" cy="0"/>
+          <a:chOff x="0" y="0"/>
+          <a:chExt cx="0" cy="0"/>
+        </a:xfrm>
+      </p:grpSpPr>
+      <p:sp>
+        <p:nvSpPr>
+          <p:cNvPr id="2" name="Slide Image Placeholder 1"/>
+          <p:cNvSpPr>
+            <a:spLocks noGrp="1" noRot="1" noChangeAspect="1"/>
+          </p:cNvSpPr>
+          <p:nvPr>
+            <p:ph type="sldImg"/>
+          </p:nvPr>
+        </p:nvSpPr>
+        <p:spPr/>
+      </p:sp>
+      <p:sp>
+        <p:nvSpPr>
+          <p:cNvPr id="3" name="Notes Placeholder 2"/>
+          <p:cNvSpPr>
+            <a:spLocks noGrp="1"/>
+          </p:cNvSpPr>
+          <p:nvPr>
+            <p:ph type="body" idx="1"/>
+          </p:nvPr>
+        </p:nvSpPr>
+        <p:spPr/>
+        <p:txBody>
+          <a:bodyPr/>
+          <a:lstStyle/>
+          <a:p>
+            <a:r>
+              <a:rPr lang="en-GB" b="0" i="0" dirty="0">
+                <a:solidFill>
+                  <a:srgbClr val="3D3B49"/>
+                </a:solidFill>
+                <a:effectLst/>
+                <a:latin typeface="Noto serif" panose="02020600060500020200" pitchFamily="18" charset="0"/>
+              </a:rPr>
+              <a:t>we will look at the Naïve Bayes classifiers and how they are used to solve the classification problems</a:t>
+            </a:r>
+            <a:endParaRPr lang="en-DE" dirty="0"/>
+          </a:p>
+        </p:txBody>
+      </p:sp>
+      <p:sp>
+        <p:nvSpPr>
+          <p:cNvPr id="4" name="Slide Number Placeholder 3"/>
+          <p:cNvSpPr>
+            <a:spLocks noGrp="1"/>
+          </p:cNvSpPr>
+          <p:nvPr>
+            <p:ph type="sldNum" sz="quarter" idx="5"/>
+          </p:nvPr>
+        </p:nvSpPr>
+        <p:spPr/>
+        <p:txBody>
+          <a:bodyPr/>
+          <a:lstStyle/>
+          <a:p>
+            <a:fld id="{3DA2775C-8C96-4BD1-ABF1-80130B631F8F}" type="slidenum">
+              <a:rPr lang="en-DE" smtClean="0"/>
+              <a:t>17</a:t>
             </a:fld>
             <a:endParaRPr lang="en-DE"/>
           </a:p>
@@ -6961,6 +7272,18 @@
                 <a:effectLst/>
                 <a:latin typeface="Noto serif" panose="02020600060500020200" pitchFamily="18" charset="0"/>
               </a:rPr>
+              <a:t>It is supervised learning technique where the data is given as well as the target values</a:t>
+            </a:r>
+          </a:p>
+          <a:p>
+            <a:r>
+              <a:rPr lang="en-GB" b="0" i="0" dirty="0">
+                <a:solidFill>
+                  <a:srgbClr val="3D3B49"/>
+                </a:solidFill>
+                <a:effectLst/>
+                <a:latin typeface="Noto serif" panose="02020600060500020200" pitchFamily="18" charset="0"/>
+              </a:rPr>
               <a:t>-I</a:t>
             </a:r>
             <a:r>
@@ -7036,7 +7359,7 @@
           <a:p>
             <a:fld id="{3DA2775C-8C96-4BD1-ABF1-80130B631F8F}" type="slidenum">
               <a:rPr lang="en-DE" smtClean="0"/>
-              <a:t>6</a:t>
+              <a:t>4</a:t>
             </a:fld>
             <a:endParaRPr lang="en-DE"/>
           </a:p>
@@ -7099,16 +7422,147 @@
           <a:bodyPr/>
           <a:lstStyle/>
           <a:p>
+            <a:pPr marL="171450" indent="-171450">
+              <a:buFontTx/>
+              <a:buChar char="-"/>
+            </a:pPr>
             <a:r>
-              <a:rPr lang="en-GB" b="0" i="0" dirty="0">
+              <a:rPr lang="en-GB" dirty="0"/>
+              <a:t>The diagram displays the different types of probability. </a:t>
+            </a:r>
+          </a:p>
+          <a:p>
+            <a:pPr marL="171450" indent="-171450">
+              <a:buFontTx/>
+              <a:buChar char="-"/>
+            </a:pPr>
+            <a:r>
+              <a:rPr lang="en-GB" dirty="0"/>
+              <a:t>-N/B it is a </a:t>
+            </a:r>
+            <a:r>
+              <a:rPr lang="en-GB" b="0" i="1" dirty="0">
                 <a:solidFill>
-                  <a:srgbClr val="3D3B49"/>
+                  <a:schemeClr val="bg1"/>
                 </a:solidFill>
                 <a:effectLst/>
-                <a:latin typeface="Noto serif" panose="02020600060500020200" pitchFamily="18" charset="0"/>
+                <a:latin typeface="Noto serif" panose="020B0604020202020204" pitchFamily="18" charset="0"/>
               </a:rPr>
-              <a:t>we will look at the Naïve Bayes classifiers and how they are used to solve the classification problems</a:t>
+              <a:t>supervised learning technique </a:t>
             </a:r>
+            <a:endParaRPr lang="en-GB" dirty="0"/>
+          </a:p>
+          <a:p>
+            <a:pPr marL="171450" indent="-171450">
+              <a:buFontTx/>
+              <a:buChar char="-"/>
+            </a:pPr>
+            <a:r>
+              <a:rPr lang="en-GB" dirty="0"/>
+              <a:t>Applying Bayes theorem, </a:t>
+            </a:r>
+          </a:p>
+          <a:p>
+            <a:r>
+              <a:rPr lang="en-GB" i="1" dirty="0"/>
+              <a:t>p (H)</a:t>
+            </a:r>
+            <a:r>
+              <a:rPr lang="en-GB" dirty="0"/>
+              <a:t> is the probability of the hypothesis </a:t>
+            </a:r>
+            <a:r>
+              <a:rPr lang="en-GB" i="1" dirty="0"/>
+              <a:t>H</a:t>
+            </a:r>
+            <a:r>
+              <a:rPr lang="en-GB" dirty="0"/>
+              <a:t> before seeing the data </a:t>
+            </a:r>
+            <a:r>
+              <a:rPr lang="en-GB" i="1" dirty="0"/>
+              <a:t>D</a:t>
+            </a:r>
+            <a:r>
+              <a:rPr lang="en-GB" dirty="0"/>
+              <a:t>.</a:t>
+            </a:r>
+          </a:p>
+          <a:p>
+            <a:r>
+              <a:rPr lang="en-GB" i="1" dirty="0"/>
+              <a:t>p (D)</a:t>
+            </a:r>
+            <a:r>
+              <a:rPr lang="en-GB" dirty="0"/>
+              <a:t> is the probability of data </a:t>
+            </a:r>
+            <a:r>
+              <a:rPr lang="en-GB" i="1" dirty="0"/>
+              <a:t>D</a:t>
+            </a:r>
+            <a:r>
+              <a:rPr lang="en-GB" dirty="0"/>
+              <a:t> under any hypothesis, which is usually constant.</a:t>
+            </a:r>
+          </a:p>
+          <a:p>
+            <a:r>
+              <a:rPr lang="en-GB" i="1" dirty="0"/>
+              <a:t>p (H|D)</a:t>
+            </a:r>
+            <a:r>
+              <a:rPr lang="en-GB" dirty="0"/>
+              <a:t> is the probability of the hypothesis </a:t>
+            </a:r>
+            <a:r>
+              <a:rPr lang="en-GB" i="1" dirty="0"/>
+              <a:t>H</a:t>
+            </a:r>
+            <a:r>
+              <a:rPr lang="en-GB" dirty="0"/>
+              <a:t> after seeing the data </a:t>
+            </a:r>
+            <a:r>
+              <a:rPr lang="en-GB" i="1" dirty="0"/>
+              <a:t>D</a:t>
+            </a:r>
+            <a:r>
+              <a:rPr lang="en-GB" dirty="0"/>
+              <a:t>.</a:t>
+            </a:r>
+          </a:p>
+          <a:p>
+            <a:r>
+              <a:rPr lang="en-GB" i="1" dirty="0"/>
+              <a:t>p (D|H)</a:t>
+            </a:r>
+            <a:r>
+              <a:rPr lang="en-GB" dirty="0"/>
+              <a:t> is the probability of data </a:t>
+            </a:r>
+            <a:r>
+              <a:rPr lang="en-GB" i="1" dirty="0"/>
+              <a:t>D</a:t>
+            </a:r>
+            <a:r>
+              <a:rPr lang="en-GB" dirty="0"/>
+              <a:t> given the hypothesis </a:t>
+            </a:r>
+            <a:r>
+              <a:rPr lang="en-GB" i="1" dirty="0"/>
+              <a:t>H</a:t>
+            </a:r>
+            <a:r>
+              <a:rPr lang="en-GB" dirty="0"/>
+              <a:t>.</a:t>
+            </a:r>
+          </a:p>
+          <a:p>
+            <a:pPr marL="171450" indent="-171450">
+              <a:buFontTx/>
+              <a:buChar char="-"/>
+            </a:pPr>
             <a:endParaRPr lang="en-DE" dirty="0"/>
           </a:p>
         </p:txBody>
@@ -7130,7 +7584,7 @@
           <a:p>
             <a:fld id="{3DA2775C-8C96-4BD1-ABF1-80130B631F8F}" type="slidenum">
               <a:rPr lang="en-DE" smtClean="0"/>
-              <a:t>8</a:t>
+              <a:t>5</a:t>
             </a:fld>
             <a:endParaRPr lang="en-DE"/>
           </a:p>
@@ -7139,7 +7593,7 @@
     </p:spTree>
     <p:extLst>
       <p:ext uri="{BB962C8B-B14F-4D97-AF65-F5344CB8AC3E}">
-        <p14:creationId xmlns:p14="http://schemas.microsoft.com/office/powerpoint/2010/main" val="2004772487"/>
+        <p14:creationId xmlns:p14="http://schemas.microsoft.com/office/powerpoint/2010/main" val="1710306313"/>
       </p:ext>
     </p:extLst>
   </p:cSld>
@@ -7193,36 +7647,61 @@
           <a:bodyPr/>
           <a:lstStyle/>
           <a:p>
+            <a:pPr>
+              <a:buFont typeface="Arial" panose="020B0604020202020204" pitchFamily="34" charset="0"/>
+              <a:buChar char="•"/>
+            </a:pPr>
             <a:r>
-              <a:rPr lang="en-GB" b="0" i="0" dirty="0">
-                <a:solidFill>
-                  <a:srgbClr val="3D3B49"/>
-                </a:solidFill>
+              <a:rPr lang="en-GB" b="1" dirty="0">
                 <a:effectLst/>
-                <a:latin typeface="Noto serif" panose="02020600060500020200" pitchFamily="18" charset="0"/>
               </a:rPr>
-              <a:t>we will look at the Naïve Bayes classifiers and how they are used to solve the classification problems</a:t>
-            </a:r>
-          </a:p>
-          <a:p>
-            <a:pPr fontAlgn="base"/>
-            <a:r>
-              <a:rPr lang="en-GB" b="0" i="0" dirty="0">
-                <a:solidFill>
-                  <a:srgbClr val="3D3B49"/>
-                </a:solidFill>
-                <a:effectLst/>
-                <a:latin typeface="Noto serif" panose="02020600060500020200" pitchFamily="18" charset="0"/>
-              </a:rPr>
-              <a:t>-</a:t>
+              <a:t>Phase 1—Training Phase</a:t>
             </a:r>
             <a:r>
               <a:rPr lang="en-GB" dirty="0">
                 <a:effectLst/>
-                <a:latin typeface="inherit"/>
               </a:rPr>
-              <a:t>The accuracy of the learning algorithm based on the training dataset is then evaluated based on the performance of the test dataset.  </a:t>
+              <a:t>: This is the phase where training data is used to train the model by pairing the given input with the expected output. The output of this phase is the learning model itself.</a:t>
             </a:r>
+          </a:p>
+          <a:p>
+            <a:pPr>
+              <a:buFont typeface="Arial" panose="020B0604020202020204" pitchFamily="34" charset="0"/>
+              <a:buChar char="•"/>
+            </a:pPr>
+            <a:r>
+              <a:rPr lang="en-GB" b="1" dirty="0">
+                <a:effectLst/>
+              </a:rPr>
+              <a:t>Phase 2—Validation and Test Phase</a:t>
+            </a:r>
+            <a:r>
+              <a:rPr lang="en-GB" dirty="0">
+                <a:effectLst/>
+              </a:rPr>
+              <a:t>: This phase is to measure how good the learning model that has been trained is and estimate the model properties, such as error measures, recall, precision, and others. This phase uses a validation dataset, and the output is a sophisticated learning model.</a:t>
+            </a:r>
+          </a:p>
+          <a:p>
+            <a:pPr>
+              <a:buFont typeface="Arial" panose="020B0604020202020204" pitchFamily="34" charset="0"/>
+              <a:buChar char="•"/>
+            </a:pPr>
+            <a:r>
+              <a:rPr lang="en-GB" b="1" dirty="0">
+                <a:effectLst/>
+              </a:rPr>
+              <a:t>Phase 3—Application Phase</a:t>
+            </a:r>
+            <a:r>
+              <a:rPr lang="en-GB" dirty="0">
+                <a:effectLst/>
+              </a:rPr>
+              <a:t>: In this phase, the model is subject to the real-world data for which the results need to be derived.</a:t>
+            </a:r>
+          </a:p>
+          <a:p>
+            <a:endParaRPr lang="en-DE" dirty="0"/>
           </a:p>
         </p:txBody>
       </p:sp>
@@ -7243,7 +7722,7 @@
           <a:p>
             <a:fld id="{3DA2775C-8C96-4BD1-ABF1-80130B631F8F}" type="slidenum">
               <a:rPr lang="en-DE" smtClean="0"/>
-              <a:t>9</a:t>
+              <a:t>7</a:t>
             </a:fld>
             <a:endParaRPr lang="en-DE"/>
           </a:p>
@@ -7252,7 +7731,7 @@
     </p:spTree>
     <p:extLst>
       <p:ext uri="{BB962C8B-B14F-4D97-AF65-F5344CB8AC3E}">
-        <p14:creationId xmlns:p14="http://schemas.microsoft.com/office/powerpoint/2010/main" val="1473279889"/>
+        <p14:creationId xmlns:p14="http://schemas.microsoft.com/office/powerpoint/2010/main" val="2556701762"/>
       </p:ext>
     </p:extLst>
   </p:cSld>
@@ -7314,7 +7793,54 @@
                 <a:effectLst/>
                 <a:latin typeface="Noto serif" panose="02020600060500020200" pitchFamily="18" charset="0"/>
               </a:rPr>
-              <a:t>we will look at the Naïve Bayes classifiers and how they are used to solve the classification problems</a:t>
+              <a:t>we will look at the Naïve Bayes classifiers and </a:t>
+            </a:r>
+            <a:r>
+              <a:rPr lang="en-GB" b="0" i="0" dirty="0" err="1">
+                <a:solidFill>
+                  <a:srgbClr val="3D3B49"/>
+                </a:solidFill>
+                <a:effectLst/>
+                <a:latin typeface="Noto serif" panose="02020600060500020200" pitchFamily="18" charset="0"/>
+              </a:rPr>
+              <a:t>ho</a:t>
+            </a:r>
+            <a:endParaRPr lang="en-GB" b="0" i="0" dirty="0">
+              <a:solidFill>
+                <a:srgbClr val="3D3B49"/>
+              </a:solidFill>
+              <a:effectLst/>
+              <a:latin typeface="Noto serif" panose="02020600060500020200" pitchFamily="18" charset="0"/>
+            </a:endParaRPr>
+          </a:p>
+          <a:p>
+            <a:r>
+              <a:rPr lang="en-GB" dirty="0"/>
+              <a:t>it is important that every piece of input data has an expected output data point available as this will be used in a supervised manner to build the </a:t>
+            </a:r>
+            <a:r>
+              <a:rPr lang="en-GB" dirty="0" err="1"/>
+              <a:t>rule.</a:t>
+            </a:r>
+            <a:r>
+              <a:rPr lang="en-GB" b="0" i="0" dirty="0" err="1">
+                <a:solidFill>
+                  <a:srgbClr val="3D3B49"/>
+                </a:solidFill>
+                <a:effectLst/>
+                <a:latin typeface="Noto serif" panose="02020600060500020200" pitchFamily="18" charset="0"/>
+              </a:rPr>
+              <a:t>w</a:t>
+            </a:r>
+            <a:r>
+              <a:rPr lang="en-GB" b="0" i="0" dirty="0">
+                <a:solidFill>
+                  <a:srgbClr val="3D3B49"/>
+                </a:solidFill>
+                <a:effectLst/>
+                <a:latin typeface="Noto serif" panose="02020600060500020200" pitchFamily="18" charset="0"/>
+              </a:rPr>
+              <a:t> they are used to solve the classification problems</a:t>
             </a:r>
             <a:endParaRPr lang="en-DE" dirty="0"/>
           </a:p>
@@ -7337,7 +7863,7 @@
           <a:p>
             <a:fld id="{3DA2775C-8C96-4BD1-ABF1-80130B631F8F}" type="slidenum">
               <a:rPr lang="en-DE" smtClean="0"/>
-              <a:t>10</a:t>
+              <a:t>8</a:t>
             </a:fld>
             <a:endParaRPr lang="en-DE"/>
           </a:p>
@@ -7346,7 +7872,7 @@
     </p:spTree>
     <p:extLst>
       <p:ext uri="{BB962C8B-B14F-4D97-AF65-F5344CB8AC3E}">
-        <p14:creationId xmlns:p14="http://schemas.microsoft.com/office/powerpoint/2010/main" val="1392798566"/>
+        <p14:creationId xmlns:p14="http://schemas.microsoft.com/office/powerpoint/2010/main" val="2004772487"/>
       </p:ext>
     </p:extLst>
   </p:cSld>
@@ -7410,7 +7936,26 @@
               </a:rPr>
               <a:t>we will look at the Naïve Bayes classifiers and how they are used to solve the classification problems</a:t>
             </a:r>
-            <a:endParaRPr lang="en-DE" dirty="0"/>
+          </a:p>
+          <a:p>
+            <a:pPr fontAlgn="base"/>
+            <a:r>
+              <a:rPr lang="en-GB" b="0" i="0" dirty="0">
+                <a:solidFill>
+                  <a:srgbClr val="3D3B49"/>
+                </a:solidFill>
+                <a:effectLst/>
+                <a:latin typeface="Noto serif" panose="02020600060500020200" pitchFamily="18" charset="0"/>
+              </a:rPr>
+              <a:t>-</a:t>
+            </a:r>
+            <a:r>
+              <a:rPr lang="en-GB" dirty="0">
+                <a:effectLst/>
+                <a:latin typeface="inherit"/>
+              </a:rPr>
+              <a:t>The accuracy of the learning algorithm based on the training dataset is then evaluated based on the performance of the test dataset.  </a:t>
+            </a:r>
           </a:p>
         </p:txBody>
       </p:sp>
@@ -7431,7 +7976,7 @@
           <a:p>
             <a:fld id="{3DA2775C-8C96-4BD1-ABF1-80130B631F8F}" type="slidenum">
               <a:rPr lang="en-DE" smtClean="0"/>
-              <a:t>11</a:t>
+              <a:t>9</a:t>
             </a:fld>
             <a:endParaRPr lang="en-DE"/>
           </a:p>
@@ -7440,7 +7985,7 @@
     </p:spTree>
     <p:extLst>
       <p:ext uri="{BB962C8B-B14F-4D97-AF65-F5344CB8AC3E}">
-        <p14:creationId xmlns:p14="http://schemas.microsoft.com/office/powerpoint/2010/main" val="501658425"/>
+        <p14:creationId xmlns:p14="http://schemas.microsoft.com/office/powerpoint/2010/main" val="1473279889"/>
       </p:ext>
     </p:extLst>
   </p:cSld>
@@ -7525,7 +8070,7 @@
           <a:p>
             <a:fld id="{3DA2775C-8C96-4BD1-ABF1-80130B631F8F}" type="slidenum">
               <a:rPr lang="en-DE" smtClean="0"/>
-              <a:t>12</a:t>
+              <a:t>10</a:t>
             </a:fld>
             <a:endParaRPr lang="en-DE"/>
           </a:p>
@@ -7534,7 +8079,7 @@
     </p:spTree>
     <p:extLst>
       <p:ext uri="{BB962C8B-B14F-4D97-AF65-F5344CB8AC3E}">
-        <p14:creationId xmlns:p14="http://schemas.microsoft.com/office/powerpoint/2010/main" val="501658425"/>
+        <p14:creationId xmlns:p14="http://schemas.microsoft.com/office/powerpoint/2010/main" val="1392798566"/>
       </p:ext>
     </p:extLst>
   </p:cSld>
@@ -7619,7 +8164,7 @@
           <a:p>
             <a:fld id="{3DA2775C-8C96-4BD1-ABF1-80130B631F8F}" type="slidenum">
               <a:rPr lang="en-DE" smtClean="0"/>
-              <a:t>13</a:t>
+              <a:t>11</a:t>
             </a:fld>
             <a:endParaRPr lang="en-DE"/>
           </a:p>
@@ -7628,7 +8173,7 @@
     </p:spTree>
     <p:extLst>
       <p:ext uri="{BB962C8B-B14F-4D97-AF65-F5344CB8AC3E}">
-        <p14:creationId xmlns:p14="http://schemas.microsoft.com/office/powerpoint/2010/main" val="1412914420"/>
+        <p14:creationId xmlns:p14="http://schemas.microsoft.com/office/powerpoint/2010/main" val="501658425"/>
       </p:ext>
     </p:extLst>
   </p:cSld>
@@ -7683,15 +8228,14 @@
           <a:lstStyle/>
           <a:p>
             <a:r>
-              <a:rPr lang="en-US" sz="1200" b="1" kern="1200" dirty="0" err="1">
+              <a:rPr lang="en-GB" b="0" i="0" dirty="0">
                 <a:solidFill>
-                  <a:schemeClr val="tx1"/>
+                  <a:srgbClr val="3D3B49"/>
                 </a:solidFill>
-                <a:latin typeface="+mj-lt"/>
-                <a:ea typeface="+mj-ea"/>
-                <a:cs typeface="+mj-cs"/>
+                <a:effectLst/>
+                <a:latin typeface="Noto serif" panose="02020600060500020200" pitchFamily="18" charset="0"/>
               </a:rPr>
-              <a:t>BernNB_GausNB_MultNB_Comparison</a:t>
+              <a:t>we will look at the Naïve Bayes classifiers and how they are used to solve the classification problems</a:t>
             </a:r>
             <a:endParaRPr lang="en-DE" dirty="0"/>
           </a:p>
@@ -7714,7 +8258,7 @@
           <a:p>
             <a:fld id="{3DA2775C-8C96-4BD1-ABF1-80130B631F8F}" type="slidenum">
               <a:rPr lang="en-DE" smtClean="0"/>
-              <a:t>14</a:t>
+              <a:t>12</a:t>
             </a:fld>
             <a:endParaRPr lang="en-DE"/>
           </a:p>
@@ -7723,7 +8267,7 @@
     </p:spTree>
     <p:extLst>
       <p:ext uri="{BB962C8B-B14F-4D97-AF65-F5344CB8AC3E}">
-        <p14:creationId xmlns:p14="http://schemas.microsoft.com/office/powerpoint/2010/main" val="1893106965"/>
+        <p14:creationId xmlns:p14="http://schemas.microsoft.com/office/powerpoint/2010/main" val="501658425"/>
       </p:ext>
     </p:extLst>
   </p:cSld>
@@ -12432,7 +12976,7 @@
         </p:blipFill>
         <p:spPr>
           <a:xfrm>
-            <a:off x="89663" y="1371680"/>
+            <a:off x="99657" y="1371680"/>
             <a:ext cx="6674676" cy="4743985"/>
           </a:xfrm>
           <a:prstGeom prst="rect">
@@ -12440,6 +12984,214 @@
           </a:prstGeom>
         </p:spPr>
       </p:pic>
+      <p:sp>
+        <p:nvSpPr>
+          <p:cNvPr id="6" name="Rectangle 5">
+            <a:extLst>
+              <a:ext uri="{FF2B5EF4-FFF2-40B4-BE49-F238E27FC236}">
+                <a16:creationId xmlns:a16="http://schemas.microsoft.com/office/drawing/2014/main" id="{CF1DDFB8-EE57-05CC-3C1F-FC5CC807B20E}"/>
+              </a:ext>
+            </a:extLst>
+          </p:cNvPr>
+          <p:cNvSpPr/>
+          <p:nvPr/>
+        </p:nvSpPr>
+        <p:spPr>
+          <a:xfrm>
+            <a:off x="380999" y="2424487"/>
+            <a:ext cx="6321725" cy="474453"/>
+          </a:xfrm>
+          <a:prstGeom prst="rect">
+            <a:avLst/>
+          </a:prstGeom>
+          <a:noFill/>
+          <a:ln w="38100">
+            <a:solidFill>
+              <a:srgbClr val="C00000"/>
+            </a:solidFill>
+          </a:ln>
+        </p:spPr>
+        <p:style>
+          <a:lnRef idx="2">
+            <a:schemeClr val="accent1">
+              <a:shade val="50000"/>
+            </a:schemeClr>
+          </a:lnRef>
+          <a:fillRef idx="1">
+            <a:schemeClr val="accent1"/>
+          </a:fillRef>
+          <a:effectRef idx="0">
+            <a:schemeClr val="accent1"/>
+          </a:effectRef>
+          <a:fontRef idx="minor">
+            <a:schemeClr val="lt1"/>
+          </a:fontRef>
+        </p:style>
+        <p:txBody>
+          <a:bodyPr rtlCol="0" anchor="ctr"/>
+          <a:lstStyle/>
+          <a:p>
+            <a:pPr algn="ctr"/>
+            <a:endParaRPr lang="en-DE"/>
+          </a:p>
+        </p:txBody>
+      </p:sp>
+      <p:sp>
+        <p:nvSpPr>
+          <p:cNvPr id="10" name="Rectangle 9">
+            <a:extLst>
+              <a:ext uri="{FF2B5EF4-FFF2-40B4-BE49-F238E27FC236}">
+                <a16:creationId xmlns:a16="http://schemas.microsoft.com/office/drawing/2014/main" id="{3556CA7B-52FA-0FE8-975C-0DA07DB5D6BE}"/>
+              </a:ext>
+            </a:extLst>
+          </p:cNvPr>
+          <p:cNvSpPr/>
+          <p:nvPr/>
+        </p:nvSpPr>
+        <p:spPr>
+          <a:xfrm>
+            <a:off x="381000" y="3485143"/>
+            <a:ext cx="4889740" cy="711842"/>
+          </a:xfrm>
+          <a:prstGeom prst="rect">
+            <a:avLst/>
+          </a:prstGeom>
+          <a:noFill/>
+          <a:ln w="38100">
+            <a:solidFill>
+              <a:srgbClr val="C00000"/>
+            </a:solidFill>
+          </a:ln>
+        </p:spPr>
+        <p:style>
+          <a:lnRef idx="2">
+            <a:schemeClr val="accent1">
+              <a:shade val="50000"/>
+            </a:schemeClr>
+          </a:lnRef>
+          <a:fillRef idx="1">
+            <a:schemeClr val="accent1"/>
+          </a:fillRef>
+          <a:effectRef idx="0">
+            <a:schemeClr val="accent1"/>
+          </a:effectRef>
+          <a:fontRef idx="minor">
+            <a:schemeClr val="lt1"/>
+          </a:fontRef>
+        </p:style>
+        <p:txBody>
+          <a:bodyPr rtlCol="0" anchor="ctr"/>
+          <a:lstStyle/>
+          <a:p>
+            <a:pPr algn="ctr"/>
+            <a:endParaRPr lang="en-DE"/>
+          </a:p>
+        </p:txBody>
+      </p:sp>
+      <p:sp>
+        <p:nvSpPr>
+          <p:cNvPr id="11" name="Rectangle 10">
+            <a:extLst>
+              <a:ext uri="{FF2B5EF4-FFF2-40B4-BE49-F238E27FC236}">
+                <a16:creationId xmlns:a16="http://schemas.microsoft.com/office/drawing/2014/main" id="{95A29C92-8C50-70DE-802A-078FEF9311DE}"/>
+              </a:ext>
+            </a:extLst>
+          </p:cNvPr>
+          <p:cNvSpPr/>
+          <p:nvPr/>
+        </p:nvSpPr>
+        <p:spPr>
+          <a:xfrm>
+            <a:off x="381000" y="4270076"/>
+            <a:ext cx="4889740" cy="474453"/>
+          </a:xfrm>
+          <a:prstGeom prst="rect">
+            <a:avLst/>
+          </a:prstGeom>
+          <a:noFill/>
+          <a:ln w="38100">
+            <a:solidFill>
+              <a:srgbClr val="C00000"/>
+            </a:solidFill>
+          </a:ln>
+        </p:spPr>
+        <p:style>
+          <a:lnRef idx="2">
+            <a:schemeClr val="accent1">
+              <a:shade val="50000"/>
+            </a:schemeClr>
+          </a:lnRef>
+          <a:fillRef idx="1">
+            <a:schemeClr val="accent1"/>
+          </a:fillRef>
+          <a:effectRef idx="0">
+            <a:schemeClr val="accent1"/>
+          </a:effectRef>
+          <a:fontRef idx="minor">
+            <a:schemeClr val="lt1"/>
+          </a:fontRef>
+        </p:style>
+        <p:txBody>
+          <a:bodyPr rtlCol="0" anchor="ctr"/>
+          <a:lstStyle/>
+          <a:p>
+            <a:pPr algn="ctr"/>
+            <a:endParaRPr lang="en-DE"/>
+          </a:p>
+        </p:txBody>
+      </p:sp>
+      <p:sp>
+        <p:nvSpPr>
+          <p:cNvPr id="12" name="Rectangle 11">
+            <a:extLst>
+              <a:ext uri="{FF2B5EF4-FFF2-40B4-BE49-F238E27FC236}">
+                <a16:creationId xmlns:a16="http://schemas.microsoft.com/office/drawing/2014/main" id="{8AB3CE13-C6FF-B1C4-FEBC-258EDF9535F0}"/>
+              </a:ext>
+            </a:extLst>
+          </p:cNvPr>
+          <p:cNvSpPr/>
+          <p:nvPr/>
+        </p:nvSpPr>
+        <p:spPr>
+          <a:xfrm>
+            <a:off x="381000" y="4813540"/>
+            <a:ext cx="4717211" cy="1302125"/>
+          </a:xfrm>
+          <a:prstGeom prst="rect">
+            <a:avLst/>
+          </a:prstGeom>
+          <a:noFill/>
+          <a:ln w="38100">
+            <a:solidFill>
+              <a:srgbClr val="C00000"/>
+            </a:solidFill>
+          </a:ln>
+        </p:spPr>
+        <p:style>
+          <a:lnRef idx="2">
+            <a:schemeClr val="accent1">
+              <a:shade val="50000"/>
+            </a:schemeClr>
+          </a:lnRef>
+          <a:fillRef idx="1">
+            <a:schemeClr val="accent1"/>
+          </a:fillRef>
+          <a:effectRef idx="0">
+            <a:schemeClr val="accent1"/>
+          </a:effectRef>
+          <a:fontRef idx="minor">
+            <a:schemeClr val="lt1"/>
+          </a:fontRef>
+        </p:style>
+        <p:txBody>
+          <a:bodyPr rtlCol="0" anchor="ctr"/>
+          <a:lstStyle/>
+          <a:p>
+            <a:pPr algn="ctr"/>
+            <a:endParaRPr lang="en-DE"/>
+          </a:p>
+        </p:txBody>
+      </p:sp>
     </p:spTree>
     <p:extLst>
       <p:ext uri="{BB962C8B-B14F-4D97-AF65-F5344CB8AC3E}">
@@ -12516,7 +13268,7 @@
                             </p:stCondLst>
                             <p:childTnLst>
                               <p:par>
-                                <p:cTn id="9" presetID="1" presetClass="entr" presetSubtype="0" fill="hold" nodeType="clickEffect">
+                                <p:cTn id="9" presetID="1" presetClass="entr" presetSubtype="0" fill="hold" grpId="0" nodeType="clickEffect">
                                   <p:stCondLst>
                                     <p:cond delay="0"/>
                                   </p:stCondLst>
@@ -12524,6 +13276,366 @@
                                     <p:set>
                                       <p:cBhvr>
                                         <p:cTn id="10" dur="1" fill="hold">
+                                          <p:stCondLst>
+                                            <p:cond delay="0"/>
+                                          </p:stCondLst>
+                                        </p:cTn>
+                                        <p:tgtEl>
+                                          <p:spTgt spid="6"/>
+                                        </p:tgtEl>
+                                        <p:attrNameLst>
+                                          <p:attrName>style.visibility</p:attrName>
+                                        </p:attrNameLst>
+                                      </p:cBhvr>
+                                      <p:to>
+                                        <p:strVal val="visible"/>
+                                      </p:to>
+                                    </p:set>
+                                  </p:childTnLst>
+                                </p:cTn>
+                              </p:par>
+                            </p:childTnLst>
+                          </p:cTn>
+                        </p:par>
+                      </p:childTnLst>
+                    </p:cTn>
+                  </p:par>
+                  <p:par>
+                    <p:cTn id="11" fill="hold">
+                      <p:stCondLst>
+                        <p:cond delay="indefinite"/>
+                      </p:stCondLst>
+                      <p:childTnLst>
+                        <p:par>
+                          <p:cTn id="12" fill="hold">
+                            <p:stCondLst>
+                              <p:cond delay="0"/>
+                            </p:stCondLst>
+                            <p:childTnLst>
+                              <p:par>
+                                <p:cTn id="13" presetID="1" presetClass="exit" presetSubtype="0" fill="hold" grpId="1" nodeType="clickEffect">
+                                  <p:stCondLst>
+                                    <p:cond delay="0"/>
+                                  </p:stCondLst>
+                                  <p:childTnLst>
+                                    <p:set>
+                                      <p:cBhvr>
+                                        <p:cTn id="14" dur="1" fill="hold">
+                                          <p:stCondLst>
+                                            <p:cond delay="0"/>
+                                          </p:stCondLst>
+                                        </p:cTn>
+                                        <p:tgtEl>
+                                          <p:spTgt spid="6"/>
+                                        </p:tgtEl>
+                                        <p:attrNameLst>
+                                          <p:attrName>style.visibility</p:attrName>
+                                        </p:attrNameLst>
+                                      </p:cBhvr>
+                                      <p:to>
+                                        <p:strVal val="hidden"/>
+                                      </p:to>
+                                    </p:set>
+                                  </p:childTnLst>
+                                </p:cTn>
+                              </p:par>
+                            </p:childTnLst>
+                          </p:cTn>
+                        </p:par>
+                      </p:childTnLst>
+                    </p:cTn>
+                  </p:par>
+                  <p:par>
+                    <p:cTn id="15" fill="hold">
+                      <p:stCondLst>
+                        <p:cond delay="indefinite"/>
+                      </p:stCondLst>
+                      <p:childTnLst>
+                        <p:par>
+                          <p:cTn id="16" fill="hold">
+                            <p:stCondLst>
+                              <p:cond delay="0"/>
+                            </p:stCondLst>
+                            <p:childTnLst>
+                              <p:par>
+                                <p:cTn id="17" presetID="1" presetClass="entr" presetSubtype="0" fill="hold" grpId="0" nodeType="clickEffect">
+                                  <p:stCondLst>
+                                    <p:cond delay="0"/>
+                                  </p:stCondLst>
+                                  <p:childTnLst>
+                                    <p:set>
+                                      <p:cBhvr>
+                                        <p:cTn id="18" dur="1" fill="hold">
+                                          <p:stCondLst>
+                                            <p:cond delay="0"/>
+                                          </p:stCondLst>
+                                        </p:cTn>
+                                        <p:tgtEl>
+                                          <p:spTgt spid="10"/>
+                                        </p:tgtEl>
+                                        <p:attrNameLst>
+                                          <p:attrName>style.visibility</p:attrName>
+                                        </p:attrNameLst>
+                                      </p:cBhvr>
+                                      <p:to>
+                                        <p:strVal val="visible"/>
+                                      </p:to>
+                                    </p:set>
+                                  </p:childTnLst>
+                                </p:cTn>
+                              </p:par>
+                            </p:childTnLst>
+                          </p:cTn>
+                        </p:par>
+                      </p:childTnLst>
+                    </p:cTn>
+                  </p:par>
+                  <p:par>
+                    <p:cTn id="19" fill="hold">
+                      <p:stCondLst>
+                        <p:cond delay="indefinite"/>
+                      </p:stCondLst>
+                      <p:childTnLst>
+                        <p:par>
+                          <p:cTn id="20" fill="hold">
+                            <p:stCondLst>
+                              <p:cond delay="0"/>
+                            </p:stCondLst>
+                            <p:childTnLst>
+                              <p:par>
+                                <p:cTn id="21" presetID="1" presetClass="exit" presetSubtype="0" fill="hold" grpId="1" nodeType="clickEffect">
+                                  <p:stCondLst>
+                                    <p:cond delay="0"/>
+                                  </p:stCondLst>
+                                  <p:childTnLst>
+                                    <p:set>
+                                      <p:cBhvr>
+                                        <p:cTn id="22" dur="1" fill="hold">
+                                          <p:stCondLst>
+                                            <p:cond delay="0"/>
+                                          </p:stCondLst>
+                                        </p:cTn>
+                                        <p:tgtEl>
+                                          <p:spTgt spid="10"/>
+                                        </p:tgtEl>
+                                        <p:attrNameLst>
+                                          <p:attrName>style.visibility</p:attrName>
+                                        </p:attrNameLst>
+                                      </p:cBhvr>
+                                      <p:to>
+                                        <p:strVal val="hidden"/>
+                                      </p:to>
+                                    </p:set>
+                                  </p:childTnLst>
+                                </p:cTn>
+                              </p:par>
+                            </p:childTnLst>
+                          </p:cTn>
+                        </p:par>
+                      </p:childTnLst>
+                    </p:cTn>
+                  </p:par>
+                  <p:par>
+                    <p:cTn id="23" fill="hold">
+                      <p:stCondLst>
+                        <p:cond delay="indefinite"/>
+                      </p:stCondLst>
+                      <p:childTnLst>
+                        <p:par>
+                          <p:cTn id="24" fill="hold">
+                            <p:stCondLst>
+                              <p:cond delay="0"/>
+                            </p:stCondLst>
+                            <p:childTnLst>
+                              <p:par>
+                                <p:cTn id="25" presetID="1" presetClass="entr" presetSubtype="0" fill="hold" grpId="0" nodeType="clickEffect">
+                                  <p:stCondLst>
+                                    <p:cond delay="0"/>
+                                  </p:stCondLst>
+                                  <p:childTnLst>
+                                    <p:set>
+                                      <p:cBhvr>
+                                        <p:cTn id="26" dur="1" fill="hold">
+                                          <p:stCondLst>
+                                            <p:cond delay="0"/>
+                                          </p:stCondLst>
+                                        </p:cTn>
+                                        <p:tgtEl>
+                                          <p:spTgt spid="11"/>
+                                        </p:tgtEl>
+                                        <p:attrNameLst>
+                                          <p:attrName>style.visibility</p:attrName>
+                                        </p:attrNameLst>
+                                      </p:cBhvr>
+                                      <p:to>
+                                        <p:strVal val="visible"/>
+                                      </p:to>
+                                    </p:set>
+                                  </p:childTnLst>
+                                </p:cTn>
+                              </p:par>
+                            </p:childTnLst>
+                          </p:cTn>
+                        </p:par>
+                      </p:childTnLst>
+                    </p:cTn>
+                  </p:par>
+                  <p:par>
+                    <p:cTn id="27" fill="hold">
+                      <p:stCondLst>
+                        <p:cond delay="indefinite"/>
+                      </p:stCondLst>
+                      <p:childTnLst>
+                        <p:par>
+                          <p:cTn id="28" fill="hold">
+                            <p:stCondLst>
+                              <p:cond delay="0"/>
+                            </p:stCondLst>
+                            <p:childTnLst>
+                              <p:par>
+                                <p:cTn id="29" presetID="1" presetClass="exit" presetSubtype="0" fill="hold" grpId="1" nodeType="clickEffect">
+                                  <p:stCondLst>
+                                    <p:cond delay="0"/>
+                                  </p:stCondLst>
+                                  <p:childTnLst>
+                                    <p:set>
+                                      <p:cBhvr>
+                                        <p:cTn id="30" dur="1" fill="hold">
+                                          <p:stCondLst>
+                                            <p:cond delay="0"/>
+                                          </p:stCondLst>
+                                        </p:cTn>
+                                        <p:tgtEl>
+                                          <p:spTgt spid="11"/>
+                                        </p:tgtEl>
+                                        <p:attrNameLst>
+                                          <p:attrName>style.visibility</p:attrName>
+                                        </p:attrNameLst>
+                                      </p:cBhvr>
+                                      <p:to>
+                                        <p:strVal val="hidden"/>
+                                      </p:to>
+                                    </p:set>
+                                  </p:childTnLst>
+                                </p:cTn>
+                              </p:par>
+                            </p:childTnLst>
+                          </p:cTn>
+                        </p:par>
+                      </p:childTnLst>
+                    </p:cTn>
+                  </p:par>
+                  <p:par>
+                    <p:cTn id="31" fill="hold">
+                      <p:stCondLst>
+                        <p:cond delay="indefinite"/>
+                      </p:stCondLst>
+                      <p:childTnLst>
+                        <p:par>
+                          <p:cTn id="32" fill="hold">
+                            <p:stCondLst>
+                              <p:cond delay="0"/>
+                            </p:stCondLst>
+                            <p:childTnLst>
+                              <p:par>
+                                <p:cTn id="33" presetID="1" presetClass="entr" presetSubtype="0" fill="hold" grpId="0" nodeType="clickEffect">
+                                  <p:stCondLst>
+                                    <p:cond delay="0"/>
+                                  </p:stCondLst>
+                                  <p:childTnLst>
+                                    <p:set>
+                                      <p:cBhvr>
+                                        <p:cTn id="34" dur="1" fill="hold">
+                                          <p:stCondLst>
+                                            <p:cond delay="0"/>
+                                          </p:stCondLst>
+                                        </p:cTn>
+                                        <p:tgtEl>
+                                          <p:spTgt spid="12"/>
+                                        </p:tgtEl>
+                                        <p:attrNameLst>
+                                          <p:attrName>style.visibility</p:attrName>
+                                        </p:attrNameLst>
+                                      </p:cBhvr>
+                                      <p:to>
+                                        <p:strVal val="visible"/>
+                                      </p:to>
+                                    </p:set>
+                                  </p:childTnLst>
+                                </p:cTn>
+                              </p:par>
+                            </p:childTnLst>
+                          </p:cTn>
+                        </p:par>
+                      </p:childTnLst>
+                    </p:cTn>
+                  </p:par>
+                  <p:par>
+                    <p:cTn id="35" fill="hold">
+                      <p:stCondLst>
+                        <p:cond delay="indefinite"/>
+                      </p:stCondLst>
+                      <p:childTnLst>
+                        <p:par>
+                          <p:cTn id="36" fill="hold">
+                            <p:stCondLst>
+                              <p:cond delay="0"/>
+                            </p:stCondLst>
+                            <p:childTnLst>
+                              <p:par>
+                                <p:cTn id="37" presetID="1" presetClass="exit" presetSubtype="0" fill="hold" grpId="1" nodeType="clickEffect">
+                                  <p:stCondLst>
+                                    <p:cond delay="0"/>
+                                  </p:stCondLst>
+                                  <p:childTnLst>
+                                    <p:set>
+                                      <p:cBhvr>
+                                        <p:cTn id="38" dur="1" fill="hold">
+                                          <p:stCondLst>
+                                            <p:cond delay="0"/>
+                                          </p:stCondLst>
+                                        </p:cTn>
+                                        <p:tgtEl>
+                                          <p:spTgt spid="12"/>
+                                        </p:tgtEl>
+                                        <p:attrNameLst>
+                                          <p:attrName>style.visibility</p:attrName>
+                                        </p:attrNameLst>
+                                      </p:cBhvr>
+                                      <p:to>
+                                        <p:strVal val="hidden"/>
+                                      </p:to>
+                                    </p:set>
+                                  </p:childTnLst>
+                                </p:cTn>
+                              </p:par>
+                            </p:childTnLst>
+                          </p:cTn>
+                        </p:par>
+                      </p:childTnLst>
+                    </p:cTn>
+                  </p:par>
+                  <p:par>
+                    <p:cTn id="39" fill="hold">
+                      <p:stCondLst>
+                        <p:cond delay="indefinite"/>
+                      </p:stCondLst>
+                      <p:childTnLst>
+                        <p:par>
+                          <p:cTn id="40" fill="hold">
+                            <p:stCondLst>
+                              <p:cond delay="0"/>
+                            </p:stCondLst>
+                            <p:childTnLst>
+                              <p:par>
+                                <p:cTn id="41" presetID="1" presetClass="entr" presetSubtype="0" fill="hold" nodeType="clickEffect">
+                                  <p:stCondLst>
+                                    <p:cond delay="0"/>
+                                  </p:stCondLst>
+                                  <p:childTnLst>
+                                    <p:set>
+                                      <p:cBhvr>
+                                        <p:cTn id="42" dur="1" fill="hold">
                                           <p:stCondLst>
                                             <p:cond delay="0"/>
                                           </p:stCondLst>
@@ -12569,6 +13681,16 @@
         </p:cTn>
       </p:par>
     </p:tnLst>
+    <p:bldLst>
+      <p:bldP spid="6" grpId="0" animBg="1"/>
+      <p:bldP spid="6" grpId="1" animBg="1"/>
+      <p:bldP spid="10" grpId="0" animBg="1"/>
+      <p:bldP spid="10" grpId="1" animBg="1"/>
+      <p:bldP spid="11" grpId="0" animBg="1"/>
+      <p:bldP spid="11" grpId="1" animBg="1"/>
+      <p:bldP spid="12" grpId="0" animBg="1"/>
+      <p:bldP spid="12" grpId="1" animBg="1"/>
+    </p:bldLst>
   </p:timing>
 </p:sld>
 </file>
@@ -13293,6 +14415,266 @@
           </a:prstGeom>
         </p:spPr>
       </p:pic>
+      <p:sp>
+        <p:nvSpPr>
+          <p:cNvPr id="6" name="Rectangle 5">
+            <a:extLst>
+              <a:ext uri="{FF2B5EF4-FFF2-40B4-BE49-F238E27FC236}">
+                <a16:creationId xmlns:a16="http://schemas.microsoft.com/office/drawing/2014/main" id="{CE1DE6BE-E2E0-79A1-734B-A6030B55BF1D}"/>
+              </a:ext>
+            </a:extLst>
+          </p:cNvPr>
+          <p:cNvSpPr/>
+          <p:nvPr/>
+        </p:nvSpPr>
+        <p:spPr>
+          <a:xfrm>
+            <a:off x="838200" y="1007082"/>
+            <a:ext cx="4303143" cy="474453"/>
+          </a:xfrm>
+          <a:prstGeom prst="rect">
+            <a:avLst/>
+          </a:prstGeom>
+          <a:noFill/>
+          <a:ln w="38100">
+            <a:solidFill>
+              <a:srgbClr val="C00000"/>
+            </a:solidFill>
+          </a:ln>
+        </p:spPr>
+        <p:style>
+          <a:lnRef idx="2">
+            <a:schemeClr val="accent1">
+              <a:shade val="50000"/>
+            </a:schemeClr>
+          </a:lnRef>
+          <a:fillRef idx="1">
+            <a:schemeClr val="accent1"/>
+          </a:fillRef>
+          <a:effectRef idx="0">
+            <a:schemeClr val="accent1"/>
+          </a:effectRef>
+          <a:fontRef idx="minor">
+            <a:schemeClr val="lt1"/>
+          </a:fontRef>
+        </p:style>
+        <p:txBody>
+          <a:bodyPr rtlCol="0" anchor="ctr"/>
+          <a:lstStyle/>
+          <a:p>
+            <a:pPr algn="ctr"/>
+            <a:endParaRPr lang="en-DE"/>
+          </a:p>
+        </p:txBody>
+      </p:sp>
+      <p:sp>
+        <p:nvSpPr>
+          <p:cNvPr id="7" name="Rectangle 6">
+            <a:extLst>
+              <a:ext uri="{FF2B5EF4-FFF2-40B4-BE49-F238E27FC236}">
+                <a16:creationId xmlns:a16="http://schemas.microsoft.com/office/drawing/2014/main" id="{D50FA661-D82C-5597-99F8-97AD7EBD251E}"/>
+              </a:ext>
+            </a:extLst>
+          </p:cNvPr>
+          <p:cNvSpPr/>
+          <p:nvPr/>
+        </p:nvSpPr>
+        <p:spPr>
+          <a:xfrm>
+            <a:off x="849592" y="1618060"/>
+            <a:ext cx="4303143" cy="1201932"/>
+          </a:xfrm>
+          <a:prstGeom prst="rect">
+            <a:avLst/>
+          </a:prstGeom>
+          <a:noFill/>
+          <a:ln w="38100">
+            <a:solidFill>
+              <a:srgbClr val="C00000"/>
+            </a:solidFill>
+          </a:ln>
+        </p:spPr>
+        <p:style>
+          <a:lnRef idx="2">
+            <a:schemeClr val="accent1">
+              <a:shade val="50000"/>
+            </a:schemeClr>
+          </a:lnRef>
+          <a:fillRef idx="1">
+            <a:schemeClr val="accent1"/>
+          </a:fillRef>
+          <a:effectRef idx="0">
+            <a:schemeClr val="accent1"/>
+          </a:effectRef>
+          <a:fontRef idx="minor">
+            <a:schemeClr val="lt1"/>
+          </a:fontRef>
+        </p:style>
+        <p:txBody>
+          <a:bodyPr rtlCol="0" anchor="ctr"/>
+          <a:lstStyle/>
+          <a:p>
+            <a:pPr algn="ctr"/>
+            <a:endParaRPr lang="en-DE"/>
+          </a:p>
+        </p:txBody>
+      </p:sp>
+      <p:sp>
+        <p:nvSpPr>
+          <p:cNvPr id="9" name="Rectangle 8">
+            <a:extLst>
+              <a:ext uri="{FF2B5EF4-FFF2-40B4-BE49-F238E27FC236}">
+                <a16:creationId xmlns:a16="http://schemas.microsoft.com/office/drawing/2014/main" id="{618B7BD5-3A47-3A4E-DD36-3D08118E2538}"/>
+              </a:ext>
+            </a:extLst>
+          </p:cNvPr>
+          <p:cNvSpPr/>
+          <p:nvPr/>
+        </p:nvSpPr>
+        <p:spPr>
+          <a:xfrm>
+            <a:off x="849592" y="2897809"/>
+            <a:ext cx="4303143" cy="3244199"/>
+          </a:xfrm>
+          <a:prstGeom prst="rect">
+            <a:avLst/>
+          </a:prstGeom>
+          <a:noFill/>
+          <a:ln w="38100">
+            <a:solidFill>
+              <a:srgbClr val="C00000"/>
+            </a:solidFill>
+          </a:ln>
+        </p:spPr>
+        <p:style>
+          <a:lnRef idx="2">
+            <a:schemeClr val="accent1">
+              <a:shade val="50000"/>
+            </a:schemeClr>
+          </a:lnRef>
+          <a:fillRef idx="1">
+            <a:schemeClr val="accent1"/>
+          </a:fillRef>
+          <a:effectRef idx="0">
+            <a:schemeClr val="accent1"/>
+          </a:effectRef>
+          <a:fontRef idx="minor">
+            <a:schemeClr val="lt1"/>
+          </a:fontRef>
+        </p:style>
+        <p:txBody>
+          <a:bodyPr rtlCol="0" anchor="ctr"/>
+          <a:lstStyle/>
+          <a:p>
+            <a:pPr algn="ctr"/>
+            <a:endParaRPr lang="en-DE"/>
+          </a:p>
+        </p:txBody>
+      </p:sp>
+      <p:sp>
+        <p:nvSpPr>
+          <p:cNvPr id="10" name="Rectangle 9">
+            <a:extLst>
+              <a:ext uri="{FF2B5EF4-FFF2-40B4-BE49-F238E27FC236}">
+                <a16:creationId xmlns:a16="http://schemas.microsoft.com/office/drawing/2014/main" id="{8F62CE1E-8F9A-6B65-D9C1-45E7DD58217C}"/>
+              </a:ext>
+            </a:extLst>
+          </p:cNvPr>
+          <p:cNvSpPr/>
+          <p:nvPr/>
+        </p:nvSpPr>
+        <p:spPr>
+          <a:xfrm>
+            <a:off x="7126857" y="2897809"/>
+            <a:ext cx="3492260" cy="751165"/>
+          </a:xfrm>
+          <a:prstGeom prst="rect">
+            <a:avLst/>
+          </a:prstGeom>
+          <a:noFill/>
+          <a:ln w="38100">
+            <a:solidFill>
+              <a:srgbClr val="C00000"/>
+            </a:solidFill>
+          </a:ln>
+        </p:spPr>
+        <p:style>
+          <a:lnRef idx="2">
+            <a:schemeClr val="accent1">
+              <a:shade val="50000"/>
+            </a:schemeClr>
+          </a:lnRef>
+          <a:fillRef idx="1">
+            <a:schemeClr val="accent1"/>
+          </a:fillRef>
+          <a:effectRef idx="0">
+            <a:schemeClr val="accent1"/>
+          </a:effectRef>
+          <a:fontRef idx="minor">
+            <a:schemeClr val="lt1"/>
+          </a:fontRef>
+        </p:style>
+        <p:txBody>
+          <a:bodyPr rtlCol="0" anchor="ctr"/>
+          <a:lstStyle/>
+          <a:p>
+            <a:pPr algn="ctr"/>
+            <a:endParaRPr lang="en-DE"/>
+          </a:p>
+        </p:txBody>
+      </p:sp>
+      <p:sp>
+        <p:nvSpPr>
+          <p:cNvPr id="11" name="Rectangle 10">
+            <a:extLst>
+              <a:ext uri="{FF2B5EF4-FFF2-40B4-BE49-F238E27FC236}">
+                <a16:creationId xmlns:a16="http://schemas.microsoft.com/office/drawing/2014/main" id="{8E65972F-CD70-5EB8-C853-C44714AAD7D0}"/>
+              </a:ext>
+            </a:extLst>
+          </p:cNvPr>
+          <p:cNvSpPr/>
+          <p:nvPr/>
+        </p:nvSpPr>
+        <p:spPr>
+          <a:xfrm>
+            <a:off x="7128295" y="3672904"/>
+            <a:ext cx="3492260" cy="2866008"/>
+          </a:xfrm>
+          <a:prstGeom prst="rect">
+            <a:avLst/>
+          </a:prstGeom>
+          <a:noFill/>
+          <a:ln w="38100">
+            <a:solidFill>
+              <a:srgbClr val="C00000"/>
+            </a:solidFill>
+          </a:ln>
+        </p:spPr>
+        <p:style>
+          <a:lnRef idx="2">
+            <a:schemeClr val="accent1">
+              <a:shade val="50000"/>
+            </a:schemeClr>
+          </a:lnRef>
+          <a:fillRef idx="1">
+            <a:schemeClr val="accent1"/>
+          </a:fillRef>
+          <a:effectRef idx="0">
+            <a:schemeClr val="accent1"/>
+          </a:effectRef>
+          <a:fontRef idx="minor">
+            <a:schemeClr val="lt1"/>
+          </a:fontRef>
+        </p:style>
+        <p:txBody>
+          <a:bodyPr rtlCol="0" anchor="ctr"/>
+          <a:lstStyle/>
+          <a:p>
+            <a:pPr algn="ctr"/>
+            <a:endParaRPr lang="en-DE"/>
+          </a:p>
+        </p:txBody>
+      </p:sp>
     </p:spTree>
     <p:extLst>
       <p:ext uri="{BB962C8B-B14F-4D97-AF65-F5344CB8AC3E}">
@@ -13369,7 +14751,7 @@
                             </p:stCondLst>
                             <p:childTnLst>
                               <p:par>
-                                <p:cTn id="9" presetID="1" presetClass="entr" presetSubtype="0" fill="hold" nodeType="clickEffect">
+                                <p:cTn id="9" presetID="1" presetClass="entr" presetSubtype="0" fill="hold" grpId="0" nodeType="clickEffect">
                                   <p:stCondLst>
                                     <p:cond delay="0"/>
                                   </p:stCondLst>
@@ -13377,6 +14759,276 @@
                                     <p:set>
                                       <p:cBhvr>
                                         <p:cTn id="10" dur="1" fill="hold">
+                                          <p:stCondLst>
+                                            <p:cond delay="0"/>
+                                          </p:stCondLst>
+                                        </p:cTn>
+                                        <p:tgtEl>
+                                          <p:spTgt spid="6"/>
+                                        </p:tgtEl>
+                                        <p:attrNameLst>
+                                          <p:attrName>style.visibility</p:attrName>
+                                        </p:attrNameLst>
+                                      </p:cBhvr>
+                                      <p:to>
+                                        <p:strVal val="visible"/>
+                                      </p:to>
+                                    </p:set>
+                                  </p:childTnLst>
+                                </p:cTn>
+                              </p:par>
+                            </p:childTnLst>
+                          </p:cTn>
+                        </p:par>
+                      </p:childTnLst>
+                    </p:cTn>
+                  </p:par>
+                  <p:par>
+                    <p:cTn id="11" fill="hold">
+                      <p:stCondLst>
+                        <p:cond delay="indefinite"/>
+                      </p:stCondLst>
+                      <p:childTnLst>
+                        <p:par>
+                          <p:cTn id="12" fill="hold">
+                            <p:stCondLst>
+                              <p:cond delay="0"/>
+                            </p:stCondLst>
+                            <p:childTnLst>
+                              <p:par>
+                                <p:cTn id="13" presetID="1" presetClass="exit" presetSubtype="0" fill="hold" grpId="1" nodeType="clickEffect">
+                                  <p:stCondLst>
+                                    <p:cond delay="0"/>
+                                  </p:stCondLst>
+                                  <p:childTnLst>
+                                    <p:set>
+                                      <p:cBhvr>
+                                        <p:cTn id="14" dur="1" fill="hold">
+                                          <p:stCondLst>
+                                            <p:cond delay="0"/>
+                                          </p:stCondLst>
+                                        </p:cTn>
+                                        <p:tgtEl>
+                                          <p:spTgt spid="6"/>
+                                        </p:tgtEl>
+                                        <p:attrNameLst>
+                                          <p:attrName>style.visibility</p:attrName>
+                                        </p:attrNameLst>
+                                      </p:cBhvr>
+                                      <p:to>
+                                        <p:strVal val="hidden"/>
+                                      </p:to>
+                                    </p:set>
+                                  </p:childTnLst>
+                                </p:cTn>
+                              </p:par>
+                            </p:childTnLst>
+                          </p:cTn>
+                        </p:par>
+                      </p:childTnLst>
+                    </p:cTn>
+                  </p:par>
+                  <p:par>
+                    <p:cTn id="15" fill="hold">
+                      <p:stCondLst>
+                        <p:cond delay="indefinite"/>
+                      </p:stCondLst>
+                      <p:childTnLst>
+                        <p:par>
+                          <p:cTn id="16" fill="hold">
+                            <p:stCondLst>
+                              <p:cond delay="0"/>
+                            </p:stCondLst>
+                            <p:childTnLst>
+                              <p:par>
+                                <p:cTn id="17" presetID="1" presetClass="entr" presetSubtype="0" fill="hold" grpId="0" nodeType="clickEffect">
+                                  <p:stCondLst>
+                                    <p:cond delay="0"/>
+                                  </p:stCondLst>
+                                  <p:childTnLst>
+                                    <p:set>
+                                      <p:cBhvr>
+                                        <p:cTn id="18" dur="1" fill="hold">
+                                          <p:stCondLst>
+                                            <p:cond delay="0"/>
+                                          </p:stCondLst>
+                                        </p:cTn>
+                                        <p:tgtEl>
+                                          <p:spTgt spid="7"/>
+                                        </p:tgtEl>
+                                        <p:attrNameLst>
+                                          <p:attrName>style.visibility</p:attrName>
+                                        </p:attrNameLst>
+                                      </p:cBhvr>
+                                      <p:to>
+                                        <p:strVal val="visible"/>
+                                      </p:to>
+                                    </p:set>
+                                  </p:childTnLst>
+                                </p:cTn>
+                              </p:par>
+                            </p:childTnLst>
+                          </p:cTn>
+                        </p:par>
+                      </p:childTnLst>
+                    </p:cTn>
+                  </p:par>
+                  <p:par>
+                    <p:cTn id="19" fill="hold">
+                      <p:stCondLst>
+                        <p:cond delay="indefinite"/>
+                      </p:stCondLst>
+                      <p:childTnLst>
+                        <p:par>
+                          <p:cTn id="20" fill="hold">
+                            <p:stCondLst>
+                              <p:cond delay="0"/>
+                            </p:stCondLst>
+                            <p:childTnLst>
+                              <p:par>
+                                <p:cTn id="21" presetID="1" presetClass="exit" presetSubtype="0" fill="hold" grpId="1" nodeType="clickEffect">
+                                  <p:stCondLst>
+                                    <p:cond delay="0"/>
+                                  </p:stCondLst>
+                                  <p:childTnLst>
+                                    <p:set>
+                                      <p:cBhvr>
+                                        <p:cTn id="22" dur="1" fill="hold">
+                                          <p:stCondLst>
+                                            <p:cond delay="0"/>
+                                          </p:stCondLst>
+                                        </p:cTn>
+                                        <p:tgtEl>
+                                          <p:spTgt spid="7"/>
+                                        </p:tgtEl>
+                                        <p:attrNameLst>
+                                          <p:attrName>style.visibility</p:attrName>
+                                        </p:attrNameLst>
+                                      </p:cBhvr>
+                                      <p:to>
+                                        <p:strVal val="hidden"/>
+                                      </p:to>
+                                    </p:set>
+                                  </p:childTnLst>
+                                </p:cTn>
+                              </p:par>
+                            </p:childTnLst>
+                          </p:cTn>
+                        </p:par>
+                      </p:childTnLst>
+                    </p:cTn>
+                  </p:par>
+                  <p:par>
+                    <p:cTn id="23" fill="hold">
+                      <p:stCondLst>
+                        <p:cond delay="indefinite"/>
+                      </p:stCondLst>
+                      <p:childTnLst>
+                        <p:par>
+                          <p:cTn id="24" fill="hold">
+                            <p:stCondLst>
+                              <p:cond delay="0"/>
+                            </p:stCondLst>
+                            <p:childTnLst>
+                              <p:par>
+                                <p:cTn id="25" presetID="1" presetClass="entr" presetSubtype="0" fill="hold" grpId="0" nodeType="clickEffect">
+                                  <p:stCondLst>
+                                    <p:cond delay="0"/>
+                                  </p:stCondLst>
+                                  <p:childTnLst>
+                                    <p:set>
+                                      <p:cBhvr>
+                                        <p:cTn id="26" dur="1" fill="hold">
+                                          <p:stCondLst>
+                                            <p:cond delay="0"/>
+                                          </p:stCondLst>
+                                        </p:cTn>
+                                        <p:tgtEl>
+                                          <p:spTgt spid="9"/>
+                                        </p:tgtEl>
+                                        <p:attrNameLst>
+                                          <p:attrName>style.visibility</p:attrName>
+                                        </p:attrNameLst>
+                                      </p:cBhvr>
+                                      <p:to>
+                                        <p:strVal val="visible"/>
+                                      </p:to>
+                                    </p:set>
+                                  </p:childTnLst>
+                                </p:cTn>
+                              </p:par>
+                            </p:childTnLst>
+                          </p:cTn>
+                        </p:par>
+                      </p:childTnLst>
+                    </p:cTn>
+                  </p:par>
+                  <p:par>
+                    <p:cTn id="27" fill="hold">
+                      <p:stCondLst>
+                        <p:cond delay="indefinite"/>
+                      </p:stCondLst>
+                      <p:childTnLst>
+                        <p:par>
+                          <p:cTn id="28" fill="hold">
+                            <p:stCondLst>
+                              <p:cond delay="0"/>
+                            </p:stCondLst>
+                            <p:childTnLst>
+                              <p:par>
+                                <p:cTn id="29" presetID="1" presetClass="exit" presetSubtype="0" fill="hold" grpId="1" nodeType="clickEffect">
+                                  <p:stCondLst>
+                                    <p:cond delay="0"/>
+                                  </p:stCondLst>
+                                  <p:childTnLst>
+                                    <p:set>
+                                      <p:cBhvr>
+                                        <p:cTn id="30" dur="1" fill="hold">
+                                          <p:stCondLst>
+                                            <p:cond delay="0"/>
+                                          </p:stCondLst>
+                                        </p:cTn>
+                                        <p:tgtEl>
+                                          <p:spTgt spid="9"/>
+                                        </p:tgtEl>
+                                        <p:attrNameLst>
+                                          <p:attrName>style.visibility</p:attrName>
+                                        </p:attrNameLst>
+                                      </p:cBhvr>
+                                      <p:to>
+                                        <p:strVal val="hidden"/>
+                                      </p:to>
+                                    </p:set>
+                                  </p:childTnLst>
+                                </p:cTn>
+                              </p:par>
+                            </p:childTnLst>
+                          </p:cTn>
+                        </p:par>
+                      </p:childTnLst>
+                    </p:cTn>
+                  </p:par>
+                  <p:par>
+                    <p:cTn id="31" fill="hold">
+                      <p:stCondLst>
+                        <p:cond delay="indefinite"/>
+                      </p:stCondLst>
+                      <p:childTnLst>
+                        <p:par>
+                          <p:cTn id="32" fill="hold">
+                            <p:stCondLst>
+                              <p:cond delay="0"/>
+                            </p:stCondLst>
+                            <p:childTnLst>
+                              <p:par>
+                                <p:cTn id="33" presetID="1" presetClass="entr" presetSubtype="0" fill="hold" nodeType="clickEffect">
+                                  <p:stCondLst>
+                                    <p:cond delay="0"/>
+                                  </p:stCondLst>
+                                  <p:childTnLst>
+                                    <p:set>
+                                      <p:cBhvr>
+                                        <p:cTn id="34" dur="1" fill="hold">
                                           <p:stCondLst>
                                             <p:cond delay="0"/>
                                           </p:stCondLst>
@@ -13390,6 +15042,186 @@
                                       </p:cBhvr>
                                       <p:to>
                                         <p:strVal val="visible"/>
+                                      </p:to>
+                                    </p:set>
+                                  </p:childTnLst>
+                                </p:cTn>
+                              </p:par>
+                            </p:childTnLst>
+                          </p:cTn>
+                        </p:par>
+                      </p:childTnLst>
+                    </p:cTn>
+                  </p:par>
+                  <p:par>
+                    <p:cTn id="35" fill="hold">
+                      <p:stCondLst>
+                        <p:cond delay="indefinite"/>
+                      </p:stCondLst>
+                      <p:childTnLst>
+                        <p:par>
+                          <p:cTn id="36" fill="hold">
+                            <p:stCondLst>
+                              <p:cond delay="0"/>
+                            </p:stCondLst>
+                            <p:childTnLst>
+                              <p:par>
+                                <p:cTn id="37" presetID="1" presetClass="entr" presetSubtype="0" fill="hold" grpId="0" nodeType="clickEffect">
+                                  <p:stCondLst>
+                                    <p:cond delay="0"/>
+                                  </p:stCondLst>
+                                  <p:childTnLst>
+                                    <p:set>
+                                      <p:cBhvr>
+                                        <p:cTn id="38" dur="1" fill="hold">
+                                          <p:stCondLst>
+                                            <p:cond delay="0"/>
+                                          </p:stCondLst>
+                                        </p:cTn>
+                                        <p:tgtEl>
+                                          <p:spTgt spid="10"/>
+                                        </p:tgtEl>
+                                        <p:attrNameLst>
+                                          <p:attrName>style.visibility</p:attrName>
+                                        </p:attrNameLst>
+                                      </p:cBhvr>
+                                      <p:to>
+                                        <p:strVal val="visible"/>
+                                      </p:to>
+                                    </p:set>
+                                  </p:childTnLst>
+                                </p:cTn>
+                              </p:par>
+                            </p:childTnLst>
+                          </p:cTn>
+                        </p:par>
+                      </p:childTnLst>
+                    </p:cTn>
+                  </p:par>
+                  <p:par>
+                    <p:cTn id="39" fill="hold">
+                      <p:stCondLst>
+                        <p:cond delay="indefinite"/>
+                      </p:stCondLst>
+                      <p:childTnLst>
+                        <p:par>
+                          <p:cTn id="40" fill="hold">
+                            <p:stCondLst>
+                              <p:cond delay="0"/>
+                            </p:stCondLst>
+                            <p:childTnLst>
+                              <p:par>
+                                <p:cTn id="41" presetID="1" presetClass="exit" presetSubtype="0" fill="hold" grpId="1" nodeType="clickEffect">
+                                  <p:stCondLst>
+                                    <p:cond delay="0"/>
+                                  </p:stCondLst>
+                                  <p:childTnLst>
+                                    <p:set>
+                                      <p:cBhvr>
+                                        <p:cTn id="42" dur="1" fill="hold">
+                                          <p:stCondLst>
+                                            <p:cond delay="0"/>
+                                          </p:stCondLst>
+                                        </p:cTn>
+                                        <p:tgtEl>
+                                          <p:spTgt spid="10"/>
+                                        </p:tgtEl>
+                                        <p:attrNameLst>
+                                          <p:attrName>style.visibility</p:attrName>
+                                        </p:attrNameLst>
+                                      </p:cBhvr>
+                                      <p:to>
+                                        <p:strVal val="hidden"/>
+                                      </p:to>
+                                    </p:set>
+                                  </p:childTnLst>
+                                </p:cTn>
+                              </p:par>
+                            </p:childTnLst>
+                          </p:cTn>
+                        </p:par>
+                      </p:childTnLst>
+                    </p:cTn>
+                  </p:par>
+                  <p:par>
+                    <p:cTn id="43" fill="hold">
+                      <p:stCondLst>
+                        <p:cond delay="indefinite"/>
+                      </p:stCondLst>
+                      <p:childTnLst>
+                        <p:par>
+                          <p:cTn id="44" fill="hold">
+                            <p:stCondLst>
+                              <p:cond delay="0"/>
+                            </p:stCondLst>
+                            <p:childTnLst>
+                              <p:par>
+                                <p:cTn id="45" presetID="1" presetClass="entr" presetSubtype="0" fill="hold" grpId="0" nodeType="clickEffect">
+                                  <p:stCondLst>
+                                    <p:cond delay="0"/>
+                                  </p:stCondLst>
+                                  <p:childTnLst>
+                                    <p:set>
+                                      <p:cBhvr>
+                                        <p:cTn id="46" dur="1" fill="hold">
+                                          <p:stCondLst>
+                                            <p:cond delay="0"/>
+                                          </p:stCondLst>
+                                        </p:cTn>
+                                        <p:tgtEl>
+                                          <p:spTgt spid="11"/>
+                                        </p:tgtEl>
+                                        <p:attrNameLst>
+                                          <p:attrName>style.visibility</p:attrName>
+                                        </p:attrNameLst>
+                                      </p:cBhvr>
+                                      <p:to>
+                                        <p:strVal val="visible"/>
+                                      </p:to>
+                                    </p:set>
+                                  </p:childTnLst>
+                                </p:cTn>
+                              </p:par>
+                            </p:childTnLst>
+                          </p:cTn>
+                        </p:par>
+                      </p:childTnLst>
+                    </p:cTn>
+                  </p:par>
+                  <p:par>
+                    <p:cTn id="47" fill="hold">
+                      <p:stCondLst>
+                        <p:cond delay="indefinite"/>
+                      </p:stCondLst>
+                      <p:childTnLst>
+                        <p:par>
+                          <p:cTn id="48" fill="hold">
+                            <p:stCondLst>
+                              <p:cond delay="0"/>
+                            </p:stCondLst>
+                            <p:childTnLst>
+                              <p:par>
+                                <p:cTn id="49" presetID="1" presetClass="exit" presetSubtype="0" fill="hold" grpId="1" nodeType="clickEffect">
+                                  <p:stCondLst>
+                                    <p:cond delay="0"/>
+                                  </p:stCondLst>
+                                  <p:childTnLst>
+                                    <p:set>
+                                      <p:cBhvr>
+                                        <p:cTn id="50" dur="1" fill="hold">
+                                          <p:stCondLst>
+                                            <p:cond delay="0"/>
+                                          </p:stCondLst>
+                                        </p:cTn>
+                                        <p:tgtEl>
+                                          <p:spTgt spid="11"/>
+                                        </p:tgtEl>
+                                        <p:attrNameLst>
+                                          <p:attrName>style.visibility</p:attrName>
+                                        </p:attrNameLst>
+                                      </p:cBhvr>
+                                      <p:to>
+                                        <p:strVal val="hidden"/>
                                       </p:to>
                                     </p:set>
                                   </p:childTnLst>
@@ -13422,6 +15254,18 @@
         </p:cTn>
       </p:par>
     </p:tnLst>
+    <p:bldLst>
+      <p:bldP spid="6" grpId="0" animBg="1"/>
+      <p:bldP spid="6" grpId="1" animBg="1"/>
+      <p:bldP spid="7" grpId="0" animBg="1"/>
+      <p:bldP spid="7" grpId="1" animBg="1"/>
+      <p:bldP spid="9" grpId="0" animBg="1"/>
+      <p:bldP spid="9" grpId="1" animBg="1"/>
+      <p:bldP spid="10" grpId="0" animBg="1"/>
+      <p:bldP spid="10" grpId="1" animBg="1"/>
+      <p:bldP spid="11" grpId="0" animBg="1"/>
+      <p:bldP spid="11" grpId="1" animBg="1"/>
+    </p:bldLst>
   </p:timing>
 </p:sld>
 </file>
@@ -13666,6 +15510,214 @@
           </a:prstGeom>
         </p:spPr>
       </p:pic>
+      <p:sp>
+        <p:nvSpPr>
+          <p:cNvPr id="9" name="Rectangle 8">
+            <a:extLst>
+              <a:ext uri="{FF2B5EF4-FFF2-40B4-BE49-F238E27FC236}">
+                <a16:creationId xmlns:a16="http://schemas.microsoft.com/office/drawing/2014/main" id="{43B7C1F4-7605-1C86-39A8-75FC7C9C71FD}"/>
+              </a:ext>
+            </a:extLst>
+          </p:cNvPr>
+          <p:cNvSpPr/>
+          <p:nvPr/>
+        </p:nvSpPr>
+        <p:spPr>
+          <a:xfrm>
+            <a:off x="5908553" y="3726312"/>
+            <a:ext cx="3589129" cy="966458"/>
+          </a:xfrm>
+          <a:prstGeom prst="rect">
+            <a:avLst/>
+          </a:prstGeom>
+          <a:noFill/>
+          <a:ln w="38100">
+            <a:solidFill>
+              <a:srgbClr val="C00000"/>
+            </a:solidFill>
+          </a:ln>
+        </p:spPr>
+        <p:style>
+          <a:lnRef idx="2">
+            <a:schemeClr val="accent1">
+              <a:shade val="50000"/>
+            </a:schemeClr>
+          </a:lnRef>
+          <a:fillRef idx="1">
+            <a:schemeClr val="accent1"/>
+          </a:fillRef>
+          <a:effectRef idx="0">
+            <a:schemeClr val="accent1"/>
+          </a:effectRef>
+          <a:fontRef idx="minor">
+            <a:schemeClr val="lt1"/>
+          </a:fontRef>
+        </p:style>
+        <p:txBody>
+          <a:bodyPr rtlCol="0" anchor="ctr"/>
+          <a:lstStyle/>
+          <a:p>
+            <a:pPr algn="ctr"/>
+            <a:endParaRPr lang="en-DE"/>
+          </a:p>
+        </p:txBody>
+      </p:sp>
+      <p:sp>
+        <p:nvSpPr>
+          <p:cNvPr id="10" name="Rectangle 9">
+            <a:extLst>
+              <a:ext uri="{FF2B5EF4-FFF2-40B4-BE49-F238E27FC236}">
+                <a16:creationId xmlns:a16="http://schemas.microsoft.com/office/drawing/2014/main" id="{216E723C-7F75-931C-382E-53FA2A7BD635}"/>
+              </a:ext>
+            </a:extLst>
+          </p:cNvPr>
+          <p:cNvSpPr/>
+          <p:nvPr/>
+        </p:nvSpPr>
+        <p:spPr>
+          <a:xfrm>
+            <a:off x="5908553" y="2838090"/>
+            <a:ext cx="3589129" cy="870477"/>
+          </a:xfrm>
+          <a:prstGeom prst="rect">
+            <a:avLst/>
+          </a:prstGeom>
+          <a:noFill/>
+          <a:ln w="38100">
+            <a:solidFill>
+              <a:srgbClr val="C00000"/>
+            </a:solidFill>
+          </a:ln>
+        </p:spPr>
+        <p:style>
+          <a:lnRef idx="2">
+            <a:schemeClr val="accent1">
+              <a:shade val="50000"/>
+            </a:schemeClr>
+          </a:lnRef>
+          <a:fillRef idx="1">
+            <a:schemeClr val="accent1"/>
+          </a:fillRef>
+          <a:effectRef idx="0">
+            <a:schemeClr val="accent1"/>
+          </a:effectRef>
+          <a:fontRef idx="minor">
+            <a:schemeClr val="lt1"/>
+          </a:fontRef>
+        </p:style>
+        <p:txBody>
+          <a:bodyPr rtlCol="0" anchor="ctr"/>
+          <a:lstStyle/>
+          <a:p>
+            <a:pPr algn="ctr"/>
+            <a:endParaRPr lang="en-DE"/>
+          </a:p>
+        </p:txBody>
+      </p:sp>
+      <p:sp>
+        <p:nvSpPr>
+          <p:cNvPr id="11" name="Rectangle 10">
+            <a:extLst>
+              <a:ext uri="{FF2B5EF4-FFF2-40B4-BE49-F238E27FC236}">
+                <a16:creationId xmlns:a16="http://schemas.microsoft.com/office/drawing/2014/main" id="{DA8E1691-2F95-C523-2B51-FECF15C46FC9}"/>
+              </a:ext>
+            </a:extLst>
+          </p:cNvPr>
+          <p:cNvSpPr/>
+          <p:nvPr/>
+        </p:nvSpPr>
+        <p:spPr>
+          <a:xfrm>
+            <a:off x="5908552" y="1934223"/>
+            <a:ext cx="3589129" cy="870477"/>
+          </a:xfrm>
+          <a:prstGeom prst="rect">
+            <a:avLst/>
+          </a:prstGeom>
+          <a:noFill/>
+          <a:ln w="38100">
+            <a:solidFill>
+              <a:srgbClr val="C00000"/>
+            </a:solidFill>
+          </a:ln>
+        </p:spPr>
+        <p:style>
+          <a:lnRef idx="2">
+            <a:schemeClr val="accent1">
+              <a:shade val="50000"/>
+            </a:schemeClr>
+          </a:lnRef>
+          <a:fillRef idx="1">
+            <a:schemeClr val="accent1"/>
+          </a:fillRef>
+          <a:effectRef idx="0">
+            <a:schemeClr val="accent1"/>
+          </a:effectRef>
+          <a:fontRef idx="minor">
+            <a:schemeClr val="lt1"/>
+          </a:fontRef>
+        </p:style>
+        <p:txBody>
+          <a:bodyPr rtlCol="0" anchor="ctr"/>
+          <a:lstStyle/>
+          <a:p>
+            <a:pPr algn="ctr"/>
+            <a:endParaRPr lang="en-DE"/>
+          </a:p>
+        </p:txBody>
+      </p:sp>
+      <p:sp>
+        <p:nvSpPr>
+          <p:cNvPr id="13" name="Rectangle 12">
+            <a:extLst>
+              <a:ext uri="{FF2B5EF4-FFF2-40B4-BE49-F238E27FC236}">
+                <a16:creationId xmlns:a16="http://schemas.microsoft.com/office/drawing/2014/main" id="{91609C95-EA90-9A4E-6A02-BF37CA2C5038}"/>
+              </a:ext>
+            </a:extLst>
+          </p:cNvPr>
+          <p:cNvSpPr/>
+          <p:nvPr/>
+        </p:nvSpPr>
+        <p:spPr>
+          <a:xfrm>
+            <a:off x="25238" y="4985919"/>
+            <a:ext cx="5765961" cy="639281"/>
+          </a:xfrm>
+          <a:prstGeom prst="rect">
+            <a:avLst/>
+          </a:prstGeom>
+          <a:noFill/>
+          <a:ln w="38100">
+            <a:solidFill>
+              <a:srgbClr val="C00000"/>
+            </a:solidFill>
+          </a:ln>
+        </p:spPr>
+        <p:style>
+          <a:lnRef idx="2">
+            <a:schemeClr val="accent1">
+              <a:shade val="50000"/>
+            </a:schemeClr>
+          </a:lnRef>
+          <a:fillRef idx="1">
+            <a:schemeClr val="accent1"/>
+          </a:fillRef>
+          <a:effectRef idx="0">
+            <a:schemeClr val="accent1"/>
+          </a:effectRef>
+          <a:fontRef idx="minor">
+            <a:schemeClr val="lt1"/>
+          </a:fontRef>
+        </p:style>
+        <p:txBody>
+          <a:bodyPr rtlCol="0" anchor="ctr"/>
+          <a:lstStyle/>
+          <a:p>
+            <a:pPr algn="ctr"/>
+            <a:endParaRPr lang="en-DE"/>
+          </a:p>
+        </p:txBody>
+      </p:sp>
     </p:spTree>
     <p:extLst>
       <p:ext uri="{BB962C8B-B14F-4D97-AF65-F5344CB8AC3E}">
@@ -13676,6 +15728,496 @@
   <p:clrMapOvr>
     <a:masterClrMapping/>
   </p:clrMapOvr>
+  <p:timing>
+    <p:tnLst>
+      <p:par>
+        <p:cTn id="1" dur="indefinite" restart="never" nodeType="tmRoot">
+          <p:childTnLst>
+            <p:seq concurrent="1" nextAc="seek">
+              <p:cTn id="2" dur="indefinite" nodeType="mainSeq">
+                <p:childTnLst>
+                  <p:par>
+                    <p:cTn id="3" fill="hold">
+                      <p:stCondLst>
+                        <p:cond delay="indefinite"/>
+                      </p:stCondLst>
+                      <p:childTnLst>
+                        <p:par>
+                          <p:cTn id="4" fill="hold">
+                            <p:stCondLst>
+                              <p:cond delay="0"/>
+                            </p:stCondLst>
+                            <p:childTnLst>
+                              <p:par>
+                                <p:cTn id="5" presetID="1" presetClass="entr" presetSubtype="0" fill="hold" nodeType="clickEffect">
+                                  <p:stCondLst>
+                                    <p:cond delay="0"/>
+                                  </p:stCondLst>
+                                  <p:childTnLst>
+                                    <p:set>
+                                      <p:cBhvr>
+                                        <p:cTn id="6" dur="1" fill="hold">
+                                          <p:stCondLst>
+                                            <p:cond delay="0"/>
+                                          </p:stCondLst>
+                                        </p:cTn>
+                                        <p:tgtEl>
+                                          <p:spTgt spid="6"/>
+                                        </p:tgtEl>
+                                        <p:attrNameLst>
+                                          <p:attrName>style.visibility</p:attrName>
+                                        </p:attrNameLst>
+                                      </p:cBhvr>
+                                      <p:to>
+                                        <p:strVal val="visible"/>
+                                      </p:to>
+                                    </p:set>
+                                  </p:childTnLst>
+                                </p:cTn>
+                              </p:par>
+                            </p:childTnLst>
+                          </p:cTn>
+                        </p:par>
+                      </p:childTnLst>
+                    </p:cTn>
+                  </p:par>
+                  <p:par>
+                    <p:cTn id="7" fill="hold">
+                      <p:stCondLst>
+                        <p:cond delay="indefinite"/>
+                      </p:stCondLst>
+                      <p:childTnLst>
+                        <p:par>
+                          <p:cTn id="8" fill="hold">
+                            <p:stCondLst>
+                              <p:cond delay="0"/>
+                            </p:stCondLst>
+                            <p:childTnLst>
+                              <p:par>
+                                <p:cTn id="9" presetID="1" presetClass="entr" presetSubtype="0" fill="hold" grpId="0" nodeType="clickEffect">
+                                  <p:stCondLst>
+                                    <p:cond delay="0"/>
+                                  </p:stCondLst>
+                                  <p:childTnLst>
+                                    <p:set>
+                                      <p:cBhvr>
+                                        <p:cTn id="10" dur="1" fill="hold">
+                                          <p:stCondLst>
+                                            <p:cond delay="0"/>
+                                          </p:stCondLst>
+                                        </p:cTn>
+                                        <p:tgtEl>
+                                          <p:spTgt spid="13"/>
+                                        </p:tgtEl>
+                                        <p:attrNameLst>
+                                          <p:attrName>style.visibility</p:attrName>
+                                        </p:attrNameLst>
+                                      </p:cBhvr>
+                                      <p:to>
+                                        <p:strVal val="visible"/>
+                                      </p:to>
+                                    </p:set>
+                                  </p:childTnLst>
+                                </p:cTn>
+                              </p:par>
+                            </p:childTnLst>
+                          </p:cTn>
+                        </p:par>
+                      </p:childTnLst>
+                    </p:cTn>
+                  </p:par>
+                  <p:par>
+                    <p:cTn id="11" fill="hold">
+                      <p:stCondLst>
+                        <p:cond delay="indefinite"/>
+                      </p:stCondLst>
+                      <p:childTnLst>
+                        <p:par>
+                          <p:cTn id="12" fill="hold">
+                            <p:stCondLst>
+                              <p:cond delay="0"/>
+                            </p:stCondLst>
+                            <p:childTnLst>
+                              <p:par>
+                                <p:cTn id="13" presetID="1" presetClass="exit" presetSubtype="0" fill="hold" grpId="1" nodeType="clickEffect">
+                                  <p:stCondLst>
+                                    <p:cond delay="0"/>
+                                  </p:stCondLst>
+                                  <p:childTnLst>
+                                    <p:set>
+                                      <p:cBhvr>
+                                        <p:cTn id="14" dur="1" fill="hold">
+                                          <p:stCondLst>
+                                            <p:cond delay="0"/>
+                                          </p:stCondLst>
+                                        </p:cTn>
+                                        <p:tgtEl>
+                                          <p:spTgt spid="13"/>
+                                        </p:tgtEl>
+                                        <p:attrNameLst>
+                                          <p:attrName>style.visibility</p:attrName>
+                                        </p:attrNameLst>
+                                      </p:cBhvr>
+                                      <p:to>
+                                        <p:strVal val="hidden"/>
+                                      </p:to>
+                                    </p:set>
+                                  </p:childTnLst>
+                                </p:cTn>
+                              </p:par>
+                            </p:childTnLst>
+                          </p:cTn>
+                        </p:par>
+                      </p:childTnLst>
+                    </p:cTn>
+                  </p:par>
+                  <p:par>
+                    <p:cTn id="15" fill="hold">
+                      <p:stCondLst>
+                        <p:cond delay="indefinite"/>
+                      </p:stCondLst>
+                      <p:childTnLst>
+                        <p:par>
+                          <p:cTn id="16" fill="hold">
+                            <p:stCondLst>
+                              <p:cond delay="0"/>
+                            </p:stCondLst>
+                            <p:childTnLst>
+                              <p:par>
+                                <p:cTn id="17" presetID="1" presetClass="entr" presetSubtype="0" fill="hold" nodeType="clickEffect">
+                                  <p:stCondLst>
+                                    <p:cond delay="0"/>
+                                  </p:stCondLst>
+                                  <p:childTnLst>
+                                    <p:set>
+                                      <p:cBhvr>
+                                        <p:cTn id="18" dur="1" fill="hold">
+                                          <p:stCondLst>
+                                            <p:cond delay="0"/>
+                                          </p:stCondLst>
+                                        </p:cTn>
+                                        <p:tgtEl>
+                                          <p:spTgt spid="7"/>
+                                        </p:tgtEl>
+                                        <p:attrNameLst>
+                                          <p:attrName>style.visibility</p:attrName>
+                                        </p:attrNameLst>
+                                      </p:cBhvr>
+                                      <p:to>
+                                        <p:strVal val="visible"/>
+                                      </p:to>
+                                    </p:set>
+                                  </p:childTnLst>
+                                </p:cTn>
+                              </p:par>
+                            </p:childTnLst>
+                          </p:cTn>
+                        </p:par>
+                      </p:childTnLst>
+                    </p:cTn>
+                  </p:par>
+                  <p:par>
+                    <p:cTn id="19" fill="hold">
+                      <p:stCondLst>
+                        <p:cond delay="indefinite"/>
+                      </p:stCondLst>
+                      <p:childTnLst>
+                        <p:par>
+                          <p:cTn id="20" fill="hold">
+                            <p:stCondLst>
+                              <p:cond delay="0"/>
+                            </p:stCondLst>
+                            <p:childTnLst>
+                              <p:par>
+                                <p:cTn id="21" presetID="1" presetClass="entr" presetSubtype="0" fill="hold" grpId="0" nodeType="clickEffect">
+                                  <p:stCondLst>
+                                    <p:cond delay="0"/>
+                                  </p:stCondLst>
+                                  <p:childTnLst>
+                                    <p:set>
+                                      <p:cBhvr>
+                                        <p:cTn id="22" dur="1" fill="hold">
+                                          <p:stCondLst>
+                                            <p:cond delay="0"/>
+                                          </p:stCondLst>
+                                        </p:cTn>
+                                        <p:tgtEl>
+                                          <p:spTgt spid="11"/>
+                                        </p:tgtEl>
+                                        <p:attrNameLst>
+                                          <p:attrName>style.visibility</p:attrName>
+                                        </p:attrNameLst>
+                                      </p:cBhvr>
+                                      <p:to>
+                                        <p:strVal val="visible"/>
+                                      </p:to>
+                                    </p:set>
+                                  </p:childTnLst>
+                                </p:cTn>
+                              </p:par>
+                            </p:childTnLst>
+                          </p:cTn>
+                        </p:par>
+                      </p:childTnLst>
+                    </p:cTn>
+                  </p:par>
+                  <p:par>
+                    <p:cTn id="23" fill="hold">
+                      <p:stCondLst>
+                        <p:cond delay="indefinite"/>
+                      </p:stCondLst>
+                      <p:childTnLst>
+                        <p:par>
+                          <p:cTn id="24" fill="hold">
+                            <p:stCondLst>
+                              <p:cond delay="0"/>
+                            </p:stCondLst>
+                            <p:childTnLst>
+                              <p:par>
+                                <p:cTn id="25" presetID="1" presetClass="exit" presetSubtype="0" fill="hold" grpId="1" nodeType="clickEffect">
+                                  <p:stCondLst>
+                                    <p:cond delay="0"/>
+                                  </p:stCondLst>
+                                  <p:childTnLst>
+                                    <p:set>
+                                      <p:cBhvr>
+                                        <p:cTn id="26" dur="1" fill="hold">
+                                          <p:stCondLst>
+                                            <p:cond delay="0"/>
+                                          </p:stCondLst>
+                                        </p:cTn>
+                                        <p:tgtEl>
+                                          <p:spTgt spid="11"/>
+                                        </p:tgtEl>
+                                        <p:attrNameLst>
+                                          <p:attrName>style.visibility</p:attrName>
+                                        </p:attrNameLst>
+                                      </p:cBhvr>
+                                      <p:to>
+                                        <p:strVal val="hidden"/>
+                                      </p:to>
+                                    </p:set>
+                                  </p:childTnLst>
+                                </p:cTn>
+                              </p:par>
+                            </p:childTnLst>
+                          </p:cTn>
+                        </p:par>
+                      </p:childTnLst>
+                    </p:cTn>
+                  </p:par>
+                  <p:par>
+                    <p:cTn id="27" fill="hold">
+                      <p:stCondLst>
+                        <p:cond delay="indefinite"/>
+                      </p:stCondLst>
+                      <p:childTnLst>
+                        <p:par>
+                          <p:cTn id="28" fill="hold">
+                            <p:stCondLst>
+                              <p:cond delay="0"/>
+                            </p:stCondLst>
+                            <p:childTnLst>
+                              <p:par>
+                                <p:cTn id="29" presetID="1" presetClass="entr" presetSubtype="0" fill="hold" grpId="0" nodeType="clickEffect">
+                                  <p:stCondLst>
+                                    <p:cond delay="0"/>
+                                  </p:stCondLst>
+                                  <p:childTnLst>
+                                    <p:set>
+                                      <p:cBhvr>
+                                        <p:cTn id="30" dur="1" fill="hold">
+                                          <p:stCondLst>
+                                            <p:cond delay="0"/>
+                                          </p:stCondLst>
+                                        </p:cTn>
+                                        <p:tgtEl>
+                                          <p:spTgt spid="10"/>
+                                        </p:tgtEl>
+                                        <p:attrNameLst>
+                                          <p:attrName>style.visibility</p:attrName>
+                                        </p:attrNameLst>
+                                      </p:cBhvr>
+                                      <p:to>
+                                        <p:strVal val="visible"/>
+                                      </p:to>
+                                    </p:set>
+                                  </p:childTnLst>
+                                </p:cTn>
+                              </p:par>
+                            </p:childTnLst>
+                          </p:cTn>
+                        </p:par>
+                      </p:childTnLst>
+                    </p:cTn>
+                  </p:par>
+                  <p:par>
+                    <p:cTn id="31" fill="hold">
+                      <p:stCondLst>
+                        <p:cond delay="indefinite"/>
+                      </p:stCondLst>
+                      <p:childTnLst>
+                        <p:par>
+                          <p:cTn id="32" fill="hold">
+                            <p:stCondLst>
+                              <p:cond delay="0"/>
+                            </p:stCondLst>
+                            <p:childTnLst>
+                              <p:par>
+                                <p:cTn id="33" presetID="1" presetClass="exit" presetSubtype="0" fill="hold" grpId="1" nodeType="clickEffect">
+                                  <p:stCondLst>
+                                    <p:cond delay="0"/>
+                                  </p:stCondLst>
+                                  <p:childTnLst>
+                                    <p:set>
+                                      <p:cBhvr>
+                                        <p:cTn id="34" dur="1" fill="hold">
+                                          <p:stCondLst>
+                                            <p:cond delay="0"/>
+                                          </p:stCondLst>
+                                        </p:cTn>
+                                        <p:tgtEl>
+                                          <p:spTgt spid="10"/>
+                                        </p:tgtEl>
+                                        <p:attrNameLst>
+                                          <p:attrName>style.visibility</p:attrName>
+                                        </p:attrNameLst>
+                                      </p:cBhvr>
+                                      <p:to>
+                                        <p:strVal val="hidden"/>
+                                      </p:to>
+                                    </p:set>
+                                  </p:childTnLst>
+                                </p:cTn>
+                              </p:par>
+                            </p:childTnLst>
+                          </p:cTn>
+                        </p:par>
+                      </p:childTnLst>
+                    </p:cTn>
+                  </p:par>
+                  <p:par>
+                    <p:cTn id="35" fill="hold">
+                      <p:stCondLst>
+                        <p:cond delay="indefinite"/>
+                      </p:stCondLst>
+                      <p:childTnLst>
+                        <p:par>
+                          <p:cTn id="36" fill="hold">
+                            <p:stCondLst>
+                              <p:cond delay="0"/>
+                            </p:stCondLst>
+                            <p:childTnLst>
+                              <p:par>
+                                <p:cTn id="37" presetID="1" presetClass="entr" presetSubtype="0" fill="hold" grpId="0" nodeType="clickEffect">
+                                  <p:stCondLst>
+                                    <p:cond delay="0"/>
+                                  </p:stCondLst>
+                                  <p:childTnLst>
+                                    <p:set>
+                                      <p:cBhvr>
+                                        <p:cTn id="38" dur="1" fill="hold">
+                                          <p:stCondLst>
+                                            <p:cond delay="0"/>
+                                          </p:stCondLst>
+                                        </p:cTn>
+                                        <p:tgtEl>
+                                          <p:spTgt spid="9"/>
+                                        </p:tgtEl>
+                                        <p:attrNameLst>
+                                          <p:attrName>style.visibility</p:attrName>
+                                        </p:attrNameLst>
+                                      </p:cBhvr>
+                                      <p:to>
+                                        <p:strVal val="visible"/>
+                                      </p:to>
+                                    </p:set>
+                                  </p:childTnLst>
+                                </p:cTn>
+                              </p:par>
+                            </p:childTnLst>
+                          </p:cTn>
+                        </p:par>
+                      </p:childTnLst>
+                    </p:cTn>
+                  </p:par>
+                  <p:par>
+                    <p:cTn id="39" fill="hold">
+                      <p:stCondLst>
+                        <p:cond delay="indefinite"/>
+                      </p:stCondLst>
+                      <p:childTnLst>
+                        <p:par>
+                          <p:cTn id="40" fill="hold">
+                            <p:stCondLst>
+                              <p:cond delay="0"/>
+                            </p:stCondLst>
+                            <p:childTnLst>
+                              <p:par>
+                                <p:cTn id="41" presetID="1" presetClass="exit" presetSubtype="0" fill="hold" grpId="1" nodeType="clickEffect">
+                                  <p:stCondLst>
+                                    <p:cond delay="0"/>
+                                  </p:stCondLst>
+                                  <p:childTnLst>
+                                    <p:set>
+                                      <p:cBhvr>
+                                        <p:cTn id="42" dur="1" fill="hold">
+                                          <p:stCondLst>
+                                            <p:cond delay="0"/>
+                                          </p:stCondLst>
+                                        </p:cTn>
+                                        <p:tgtEl>
+                                          <p:spTgt spid="9"/>
+                                        </p:tgtEl>
+                                        <p:attrNameLst>
+                                          <p:attrName>style.visibility</p:attrName>
+                                        </p:attrNameLst>
+                                      </p:cBhvr>
+                                      <p:to>
+                                        <p:strVal val="hidden"/>
+                                      </p:to>
+                                    </p:set>
+                                  </p:childTnLst>
+                                </p:cTn>
+                              </p:par>
+                            </p:childTnLst>
+                          </p:cTn>
+                        </p:par>
+                      </p:childTnLst>
+                    </p:cTn>
+                  </p:par>
+                </p:childTnLst>
+              </p:cTn>
+              <p:prevCondLst>
+                <p:cond evt="onPrev" delay="0">
+                  <p:tgtEl>
+                    <p:sldTgt/>
+                  </p:tgtEl>
+                </p:cond>
+              </p:prevCondLst>
+              <p:nextCondLst>
+                <p:cond evt="onNext" delay="0">
+                  <p:tgtEl>
+                    <p:sldTgt/>
+                  </p:tgtEl>
+                </p:cond>
+              </p:nextCondLst>
+            </p:seq>
+          </p:childTnLst>
+        </p:cTn>
+      </p:par>
+    </p:tnLst>
+    <p:bldLst>
+      <p:bldP spid="9" grpId="0" animBg="1"/>
+      <p:bldP spid="9" grpId="1" animBg="1"/>
+      <p:bldP spid="10" grpId="0" animBg="1"/>
+      <p:bldP spid="10" grpId="1" animBg="1"/>
+      <p:bldP spid="11" grpId="0" animBg="1"/>
+      <p:bldP spid="11" grpId="1" animBg="1"/>
+      <p:bldP spid="13" grpId="0" animBg="1"/>
+      <p:bldP spid="13" grpId="1" animBg="1"/>
+    </p:bldLst>
+  </p:timing>
 </p:sld>
 </file>
 
@@ -13758,7 +16300,7 @@
         </p:spPr>
         <p:txBody>
           <a:bodyPr vert="horz" lIns="91440" tIns="45720" rIns="91440" bIns="45720" rtlCol="0" anchor="ctr">
-            <a:normAutofit fontScale="90000"/>
+            <a:normAutofit/>
           </a:bodyPr>
           <a:lstStyle/>
           <a:p>
@@ -13769,7 +16311,7 @@
                   <a:schemeClr val="bg1"/>
                 </a:solidFill>
               </a:rPr>
-              <a:t>Naïve Bayes Advantages and Disadvantages</a:t>
+              <a:t>Advantages  of Naïve Bayes</a:t>
             </a:r>
           </a:p>
         </p:txBody>
@@ -13863,10 +16405,10 @@
       </p:sp>
       <p:sp>
         <p:nvSpPr>
-          <p:cNvPr id="17" name="TextBox 16">
+          <p:cNvPr id="7" name="TextBox 6">
             <a:extLst>
               <a:ext uri="{FF2B5EF4-FFF2-40B4-BE49-F238E27FC236}">
-                <a16:creationId xmlns:a16="http://schemas.microsoft.com/office/drawing/2014/main" id="{8791BCAF-04B6-1B30-968D-3013133A39B7}"/>
+                <a16:creationId xmlns:a16="http://schemas.microsoft.com/office/drawing/2014/main" id="{B78417C6-EF38-8B0C-7DB6-B716259EAD4C}"/>
               </a:ext>
             </a:extLst>
           </p:cNvPr>
@@ -13875,79 +16417,8 @@
         </p:nvSpPr>
         <p:spPr>
           <a:xfrm>
-            <a:off x="414870" y="3834518"/>
-            <a:ext cx="11362260" cy="2125582"/>
-          </a:xfrm>
-          <a:prstGeom prst="rect">
-            <a:avLst/>
-          </a:prstGeom>
-          <a:noFill/>
-        </p:spPr>
-        <p:txBody>
-          <a:bodyPr wrap="square">
-            <a:spAutoFit/>
-          </a:bodyPr>
-          <a:lstStyle/>
-          <a:p>
-            <a:pPr marL="285750" indent="-285750" algn="just">
-              <a:lnSpc>
-                <a:spcPct val="150000"/>
-              </a:lnSpc>
-              <a:buFont typeface="Wingdings" panose="05000000000000000000" pitchFamily="2" charset="2"/>
-              <a:buChar char="Ø"/>
-            </a:pPr>
-            <a:r>
-              <a:rPr lang="en-GB" b="0" i="1" dirty="0">
-                <a:solidFill>
-                  <a:schemeClr val="bg1"/>
-                </a:solidFill>
-                <a:effectLst/>
-                <a:latin typeface="Noto serif" panose="02020600060500020200" pitchFamily="18" charset="0"/>
-                <a:ea typeface="Noto serif" panose="02020600060500020200" pitchFamily="18" charset="0"/>
-                <a:cs typeface="Noto serif" panose="02020600060500020200" pitchFamily="18" charset="0"/>
-              </a:rPr>
-              <a:t>The assumption of independent features. In practice, it is almost impossible that model will get a set of predictors which are entirely independent. This can lead to incorrect classifications.</a:t>
-            </a:r>
-          </a:p>
-          <a:p>
-            <a:pPr marL="285750" indent="-285750" algn="just">
-              <a:lnSpc>
-                <a:spcPct val="150000"/>
-              </a:lnSpc>
-              <a:buFont typeface="Wingdings" panose="05000000000000000000" pitchFamily="2" charset="2"/>
-              <a:buChar char="Ø"/>
-            </a:pPr>
-            <a:r>
-              <a:rPr lang="en-GB" b="0" i="1" dirty="0">
-                <a:solidFill>
-                  <a:schemeClr val="bg1"/>
-                </a:solidFill>
-                <a:effectLst/>
-                <a:latin typeface="Noto serif" panose="02020600060500020200" pitchFamily="18" charset="0"/>
-                <a:ea typeface="Noto serif" panose="02020600060500020200" pitchFamily="18" charset="0"/>
-                <a:cs typeface="Noto serif" panose="02020600060500020200" pitchFamily="18" charset="0"/>
-              </a:rPr>
-              <a:t>If there is no training tuple of a particular class, this causes zero posterior probability. In this case, the model is unable to make predictions i.e., Zero frequency occurs when a categorical variable does not exist within the training set.</a:t>
-            </a:r>
-          </a:p>
-        </p:txBody>
-      </p:sp>
-      <p:sp>
-        <p:nvSpPr>
-          <p:cNvPr id="7" name="TextBox 6">
-            <a:extLst>
-              <a:ext uri="{FF2B5EF4-FFF2-40B4-BE49-F238E27FC236}">
-                <a16:creationId xmlns:a16="http://schemas.microsoft.com/office/drawing/2014/main" id="{B78417C6-EF38-8B0C-7DB6-B716259EAD4C}"/>
-              </a:ext>
-            </a:extLst>
-          </p:cNvPr>
-          <p:cNvSpPr txBox="1"/>
-          <p:nvPr/>
-        </p:nvSpPr>
-        <p:spPr>
-          <a:xfrm>
-            <a:off x="559386" y="1551339"/>
-            <a:ext cx="11217744" cy="1710084"/>
+            <a:off x="509261" y="1782735"/>
+            <a:ext cx="11217744" cy="3268202"/>
           </a:xfrm>
           <a:prstGeom prst="rect">
             <a:avLst/>
@@ -13962,7 +16433,7 @@
           <a:p>
             <a:pPr marL="285750" indent="-285750">
               <a:lnSpc>
-                <a:spcPct val="150000"/>
+                <a:spcPct val="300000"/>
               </a:lnSpc>
               <a:buFont typeface="Wingdings" panose="05000000000000000000" pitchFamily="2" charset="2"/>
               <a:buChar char="Ø"/>
@@ -13991,7 +16462,7 @@
           <a:p>
             <a:pPr marL="285750" indent="-285750" algn="just">
               <a:lnSpc>
-                <a:spcPct val="150000"/>
+                <a:spcPct val="300000"/>
               </a:lnSpc>
               <a:buFont typeface="Wingdings" panose="05000000000000000000" pitchFamily="2" charset="2"/>
               <a:buChar char="Ø"/>
@@ -14012,7 +16483,7 @@
           <a:p>
             <a:pPr marL="285750" indent="-285750" algn="just">
               <a:lnSpc>
-                <a:spcPct val="150000"/>
+                <a:spcPct val="300000"/>
               </a:lnSpc>
               <a:buFont typeface="Wingdings" panose="05000000000000000000" pitchFamily="2" charset="2"/>
               <a:buChar char="Ø"/>
@@ -14027,109 +16498,9 @@
                 <a:ea typeface="Noto serif" panose="02020600060500020200" pitchFamily="18" charset="0"/>
                 <a:cs typeface="Noto serif" panose="02020600060500020200" pitchFamily="18" charset="0"/>
               </a:rPr>
-              <a:t>When the assumption of independence holds, a Naive Bayes classifier performs better compared to other models like logistic regression</a:t>
+              <a:t>When the assumption of independence holds, a Naive Bayes classifier performs better compared to other models.</a:t>
             </a:r>
             <a:endParaRPr lang="en-DE" i="1" dirty="0">
-              <a:solidFill>
-                <a:schemeClr val="bg1"/>
-              </a:solidFill>
-              <a:latin typeface="Noto serif" panose="02020600060500020200" pitchFamily="18" charset="0"/>
-              <a:ea typeface="Noto serif" panose="02020600060500020200" pitchFamily="18" charset="0"/>
-              <a:cs typeface="Noto serif" panose="02020600060500020200" pitchFamily="18" charset="0"/>
-            </a:endParaRPr>
-          </a:p>
-        </p:txBody>
-      </p:sp>
-      <p:sp>
-        <p:nvSpPr>
-          <p:cNvPr id="10" name="TextBox 9">
-            <a:extLst>
-              <a:ext uri="{FF2B5EF4-FFF2-40B4-BE49-F238E27FC236}">
-                <a16:creationId xmlns:a16="http://schemas.microsoft.com/office/drawing/2014/main" id="{E08A90E8-8F70-AAB9-C5D1-5035405F87DD}"/>
-              </a:ext>
-            </a:extLst>
-          </p:cNvPr>
-          <p:cNvSpPr txBox="1"/>
-          <p:nvPr/>
-        </p:nvSpPr>
-        <p:spPr>
-          <a:xfrm>
-            <a:off x="559386" y="1184620"/>
-            <a:ext cx="1492716" cy="369332"/>
-          </a:xfrm>
-          <a:prstGeom prst="rect">
-            <a:avLst/>
-          </a:prstGeom>
-          <a:noFill/>
-        </p:spPr>
-        <p:txBody>
-          <a:bodyPr wrap="none" rtlCol="0">
-            <a:spAutoFit/>
-          </a:bodyPr>
-          <a:lstStyle/>
-          <a:p>
-            <a:r>
-              <a:rPr lang="en-GB" b="1" dirty="0">
-                <a:solidFill>
-                  <a:schemeClr val="bg1"/>
-                </a:solidFill>
-                <a:latin typeface="Noto serif" panose="02020600060500020200" pitchFamily="18" charset="0"/>
-                <a:ea typeface="Noto serif" panose="02020600060500020200" pitchFamily="18" charset="0"/>
-                <a:cs typeface="Noto serif" panose="02020600060500020200" pitchFamily="18" charset="0"/>
-              </a:rPr>
-              <a:t>Advantages</a:t>
-            </a:r>
-            <a:endParaRPr lang="en-DE" b="1" dirty="0">
-              <a:solidFill>
-                <a:schemeClr val="bg1"/>
-              </a:solidFill>
-              <a:latin typeface="Noto serif" panose="02020600060500020200" pitchFamily="18" charset="0"/>
-              <a:ea typeface="Noto serif" panose="02020600060500020200" pitchFamily="18" charset="0"/>
-              <a:cs typeface="Noto serif" panose="02020600060500020200" pitchFamily="18" charset="0"/>
-            </a:endParaRPr>
-          </a:p>
-        </p:txBody>
-      </p:sp>
-      <p:sp>
-        <p:nvSpPr>
-          <p:cNvPr id="12" name="TextBox 11">
-            <a:extLst>
-              <a:ext uri="{FF2B5EF4-FFF2-40B4-BE49-F238E27FC236}">
-                <a16:creationId xmlns:a16="http://schemas.microsoft.com/office/drawing/2014/main" id="{EA717B00-F0BA-42A5-4CB1-A780C9AFCF07}"/>
-              </a:ext>
-            </a:extLst>
-          </p:cNvPr>
-          <p:cNvSpPr txBox="1"/>
-          <p:nvPr/>
-        </p:nvSpPr>
-        <p:spPr>
-          <a:xfrm>
-            <a:off x="559386" y="3525496"/>
-            <a:ext cx="1840568" cy="369332"/>
-          </a:xfrm>
-          <a:prstGeom prst="rect">
-            <a:avLst/>
-          </a:prstGeom>
-          <a:noFill/>
-        </p:spPr>
-        <p:txBody>
-          <a:bodyPr wrap="none" rtlCol="0">
-            <a:spAutoFit/>
-          </a:bodyPr>
-          <a:lstStyle/>
-          <a:p>
-            <a:r>
-              <a:rPr lang="en-GB" b="1" dirty="0">
-                <a:solidFill>
-                  <a:schemeClr val="bg1"/>
-                </a:solidFill>
-                <a:latin typeface="Noto serif" panose="02020600060500020200" pitchFamily="18" charset="0"/>
-                <a:ea typeface="Noto serif" panose="02020600060500020200" pitchFamily="18" charset="0"/>
-                <a:cs typeface="Noto serif" panose="02020600060500020200" pitchFamily="18" charset="0"/>
-              </a:rPr>
-              <a:t>Disadvantages</a:t>
-            </a:r>
-            <a:endParaRPr lang="en-DE" b="1" dirty="0">
               <a:solidFill>
                 <a:schemeClr val="bg1"/>
               </a:solidFill>
@@ -14150,116 +16521,340 @@
   <p:clrMapOvr>
     <a:masterClrMapping/>
   </p:clrMapOvr>
-  <p:timing>
-    <p:tnLst>
-      <p:par>
-        <p:cTn id="1" dur="indefinite" restart="never" nodeType="tmRoot">
-          <p:childTnLst>
-            <p:seq concurrent="1" nextAc="seek">
-              <p:cTn id="2" dur="indefinite" nodeType="mainSeq">
-                <p:childTnLst>
-                  <p:par>
-                    <p:cTn id="3" fill="hold">
-                      <p:stCondLst>
-                        <p:cond delay="indefinite"/>
-                      </p:stCondLst>
-                      <p:childTnLst>
-                        <p:par>
-                          <p:cTn id="4" fill="hold">
-                            <p:stCondLst>
-                              <p:cond delay="0"/>
-                            </p:stCondLst>
-                            <p:childTnLst>
-                              <p:par>
-                                <p:cTn id="5" presetID="1" presetClass="entr" presetSubtype="0" fill="hold" grpId="0" nodeType="clickEffect">
-                                  <p:stCondLst>
-                                    <p:cond delay="0"/>
-                                  </p:stCondLst>
-                                  <p:childTnLst>
-                                    <p:set>
-                                      <p:cBhvr>
-                                        <p:cTn id="6" dur="1" fill="hold">
-                                          <p:stCondLst>
-                                            <p:cond delay="0"/>
-                                          </p:stCondLst>
-                                        </p:cTn>
-                                        <p:tgtEl>
-                                          <p:spTgt spid="17"/>
-                                        </p:tgtEl>
-                                        <p:attrNameLst>
-                                          <p:attrName>style.visibility</p:attrName>
-                                        </p:attrNameLst>
-                                      </p:cBhvr>
-                                      <p:to>
-                                        <p:strVal val="visible"/>
-                                      </p:to>
-                                    </p:set>
-                                  </p:childTnLst>
-                                </p:cTn>
-                              </p:par>
-                              <p:par>
-                                <p:cTn id="7" presetID="1" presetClass="entr" presetSubtype="0" fill="hold" grpId="0" nodeType="withEffect">
-                                  <p:stCondLst>
-                                    <p:cond delay="0"/>
-                                  </p:stCondLst>
-                                  <p:childTnLst>
-                                    <p:set>
-                                      <p:cBhvr>
-                                        <p:cTn id="8" dur="1" fill="hold">
-                                          <p:stCondLst>
-                                            <p:cond delay="0"/>
-                                          </p:stCondLst>
-                                        </p:cTn>
-                                        <p:tgtEl>
-                                          <p:spTgt spid="12"/>
-                                        </p:tgtEl>
-                                        <p:attrNameLst>
-                                          <p:attrName>style.visibility</p:attrName>
-                                        </p:attrNameLst>
-                                      </p:cBhvr>
-                                      <p:to>
-                                        <p:strVal val="visible"/>
-                                      </p:to>
-                                    </p:set>
-                                  </p:childTnLst>
-                                </p:cTn>
-                              </p:par>
-                            </p:childTnLst>
-                          </p:cTn>
-                        </p:par>
-                      </p:childTnLst>
-                    </p:cTn>
-                  </p:par>
-                </p:childTnLst>
-              </p:cTn>
-              <p:prevCondLst>
-                <p:cond evt="onPrev" delay="0">
-                  <p:tgtEl>
-                    <p:sldTgt/>
-                  </p:tgtEl>
-                </p:cond>
-              </p:prevCondLst>
-              <p:nextCondLst>
-                <p:cond evt="onNext" delay="0">
-                  <p:tgtEl>
-                    <p:sldTgt/>
-                  </p:tgtEl>
-                </p:cond>
-              </p:nextCondLst>
-            </p:seq>
-          </p:childTnLst>
-        </p:cTn>
-      </p:par>
-    </p:tnLst>
-    <p:bldLst>
-      <p:bldP spid="17" grpId="0"/>
-      <p:bldP spid="12" grpId="0"/>
-    </p:bldLst>
-  </p:timing>
 </p:sld>
 </file>
 
 <file path=ppt/slides/slide16.xml><?xml version="1.0" encoding="utf-8"?>
+<p:sld xmlns:a="http://schemas.openxmlformats.org/drawingml/2006/main" xmlns:r="http://schemas.openxmlformats.org/officeDocument/2006/relationships" xmlns:p="http://schemas.openxmlformats.org/presentationml/2006/main">
+  <p:cSld>
+    <p:spTree>
+      <p:nvGrpSpPr>
+        <p:cNvPr id="1" name=""/>
+        <p:cNvGrpSpPr/>
+        <p:nvPr/>
+      </p:nvGrpSpPr>
+      <p:grpSpPr>
+        <a:xfrm>
+          <a:off x="0" y="0"/>
+          <a:ext cx="0" cy="0"/>
+          <a:chOff x="0" y="0"/>
+          <a:chExt cx="0" cy="0"/>
+        </a:xfrm>
+      </p:grpSpPr>
+      <p:pic>
+        <p:nvPicPr>
+          <p:cNvPr id="8" name="Picture 7">
+            <a:extLst>
+              <a:ext uri="{FF2B5EF4-FFF2-40B4-BE49-F238E27FC236}">
+                <a16:creationId xmlns:a16="http://schemas.microsoft.com/office/drawing/2014/main" id="{D8CB3B7F-185C-46B8-F4E9-D19A861994CC}"/>
+              </a:ext>
+            </a:extLst>
+          </p:cNvPr>
+          <p:cNvPicPr>
+            <a:picLocks noChangeAspect="1"/>
+          </p:cNvPicPr>
+          <p:nvPr/>
+        </p:nvPicPr>
+        <p:blipFill rotWithShape="1">
+          <a:blip r:embed="rId3">
+            <a:duotone>
+              <a:prstClr val="black"/>
+              <a:schemeClr val="tx2">
+                <a:tint val="45000"/>
+                <a:satMod val="400000"/>
+              </a:schemeClr>
+            </a:duotone>
+            <a:alphaModFix amt="25000"/>
+          </a:blip>
+          <a:srcRect t="15730"/>
+          <a:stretch/>
+        </p:blipFill>
+        <p:spPr>
+          <a:xfrm>
+            <a:off x="22143" y="10"/>
+            <a:ext cx="12191980" cy="6857990"/>
+          </a:xfrm>
+          <a:prstGeom prst="rect">
+            <a:avLst/>
+          </a:prstGeom>
+        </p:spPr>
+      </p:pic>
+      <p:sp>
+        <p:nvSpPr>
+          <p:cNvPr id="2" name="Title 1">
+            <a:extLst>
+              <a:ext uri="{FF2B5EF4-FFF2-40B4-BE49-F238E27FC236}">
+                <a16:creationId xmlns:a16="http://schemas.microsoft.com/office/drawing/2014/main" id="{F6D544CE-A2D7-99D1-CA01-4EE7B7FF489D}"/>
+              </a:ext>
+            </a:extLst>
+          </p:cNvPr>
+          <p:cNvSpPr>
+            <a:spLocks noGrp="1"/>
+          </p:cNvSpPr>
+          <p:nvPr>
+            <p:ph type="title"/>
+          </p:nvPr>
+        </p:nvSpPr>
+        <p:spPr>
+          <a:xfrm>
+            <a:off x="-114960" y="321402"/>
+            <a:ext cx="12284817" cy="1062459"/>
+          </a:xfrm>
+        </p:spPr>
+        <p:txBody>
+          <a:bodyPr vert="horz" lIns="91440" tIns="45720" rIns="91440" bIns="45720" rtlCol="0" anchor="ctr">
+            <a:normAutofit/>
+          </a:bodyPr>
+          <a:lstStyle/>
+          <a:p>
+            <a:pPr algn="ctr"/>
+            <a:r>
+              <a:rPr lang="en-US" sz="6000" b="1" dirty="0">
+                <a:solidFill>
+                  <a:schemeClr val="bg1"/>
+                </a:solidFill>
+              </a:rPr>
+              <a:t>Disadvantages of Naïve Bayes</a:t>
+            </a:r>
+          </a:p>
+        </p:txBody>
+      </p:sp>
+      <p:pic>
+        <p:nvPicPr>
+          <p:cNvPr id="3" name="Picture 2">
+            <a:extLst>
+              <a:ext uri="{FF2B5EF4-FFF2-40B4-BE49-F238E27FC236}">
+                <a16:creationId xmlns:a16="http://schemas.microsoft.com/office/drawing/2014/main" id="{F7EEB457-28D4-7CC5-9DD2-2F29E70A8070}"/>
+              </a:ext>
+            </a:extLst>
+          </p:cNvPr>
+          <p:cNvPicPr>
+            <a:picLocks noChangeAspect="1"/>
+          </p:cNvPicPr>
+          <p:nvPr/>
+        </p:nvPicPr>
+        <p:blipFill>
+          <a:blip r:embed="rId4"/>
+          <a:stretch>
+            <a:fillRect/>
+          </a:stretch>
+        </p:blipFill>
+        <p:spPr>
+          <a:xfrm>
+            <a:off x="9768468" y="136525"/>
+            <a:ext cx="2324004" cy="345393"/>
+          </a:xfrm>
+          <a:prstGeom prst="rect">
+            <a:avLst/>
+          </a:prstGeom>
+        </p:spPr>
+      </p:pic>
+      <p:sp>
+        <p:nvSpPr>
+          <p:cNvPr id="4" name="Date Placeholder 3">
+            <a:extLst>
+              <a:ext uri="{FF2B5EF4-FFF2-40B4-BE49-F238E27FC236}">
+                <a16:creationId xmlns:a16="http://schemas.microsoft.com/office/drawing/2014/main" id="{3EACAE7E-5628-764E-8E18-BE9F34822A9E}"/>
+              </a:ext>
+            </a:extLst>
+          </p:cNvPr>
+          <p:cNvSpPr>
+            <a:spLocks noGrp="1"/>
+          </p:cNvSpPr>
+          <p:nvPr>
+            <p:ph type="dt" sz="half" idx="10"/>
+          </p:nvPr>
+        </p:nvSpPr>
+        <p:spPr/>
+        <p:txBody>
+          <a:bodyPr/>
+          <a:lstStyle/>
+          <a:p>
+            <a:r>
+              <a:rPr lang="en-DE"/>
+              <a:t>09/06/2023</a:t>
+            </a:r>
+          </a:p>
+        </p:txBody>
+      </p:sp>
+      <p:sp>
+        <p:nvSpPr>
+          <p:cNvPr id="5" name="Slide Number Placeholder 4">
+            <a:extLst>
+              <a:ext uri="{FF2B5EF4-FFF2-40B4-BE49-F238E27FC236}">
+                <a16:creationId xmlns:a16="http://schemas.microsoft.com/office/drawing/2014/main" id="{93A23751-531F-DE15-90AE-3D3630F610CD}"/>
+              </a:ext>
+            </a:extLst>
+          </p:cNvPr>
+          <p:cNvSpPr>
+            <a:spLocks noGrp="1"/>
+          </p:cNvSpPr>
+          <p:nvPr>
+            <p:ph type="sldNum" sz="quarter" idx="12"/>
+          </p:nvPr>
+        </p:nvSpPr>
+        <p:spPr/>
+        <p:txBody>
+          <a:bodyPr/>
+          <a:lstStyle/>
+          <a:p>
+            <a:fld id="{4FEEC90D-D43D-4637-8AB1-318B5662A3A0}" type="slidenum">
+              <a:rPr lang="en-DE" smtClean="0"/>
+              <a:t>16</a:t>
+            </a:fld>
+            <a:endParaRPr lang="en-DE"/>
+          </a:p>
+        </p:txBody>
+      </p:sp>
+      <p:sp>
+        <p:nvSpPr>
+          <p:cNvPr id="17" name="TextBox 16">
+            <a:extLst>
+              <a:ext uri="{FF2B5EF4-FFF2-40B4-BE49-F238E27FC236}">
+                <a16:creationId xmlns:a16="http://schemas.microsoft.com/office/drawing/2014/main" id="{8791BCAF-04B6-1B30-968D-3013133A39B7}"/>
+              </a:ext>
+            </a:extLst>
+          </p:cNvPr>
+          <p:cNvSpPr txBox="1"/>
+          <p:nvPr/>
+        </p:nvSpPr>
+        <p:spPr>
+          <a:xfrm>
+            <a:off x="437003" y="2055322"/>
+            <a:ext cx="11362260" cy="2747355"/>
+          </a:xfrm>
+          <a:prstGeom prst="rect">
+            <a:avLst/>
+          </a:prstGeom>
+          <a:noFill/>
+        </p:spPr>
+        <p:txBody>
+          <a:bodyPr wrap="square">
+            <a:spAutoFit/>
+          </a:bodyPr>
+          <a:lstStyle/>
+          <a:p>
+            <a:pPr marL="285750" indent="-285750" algn="just">
+              <a:lnSpc>
+                <a:spcPct val="250000"/>
+              </a:lnSpc>
+              <a:buFont typeface="Wingdings" panose="05000000000000000000" pitchFamily="2" charset="2"/>
+              <a:buChar char="Ø"/>
+            </a:pPr>
+            <a:r>
+              <a:rPr lang="en-GB" b="0" dirty="0">
+                <a:solidFill>
+                  <a:schemeClr val="bg1"/>
+                </a:solidFill>
+                <a:effectLst/>
+                <a:latin typeface="Noto serif" panose="02020600060500020200" pitchFamily="18" charset="0"/>
+                <a:ea typeface="Noto serif" panose="02020600060500020200" pitchFamily="18" charset="0"/>
+                <a:cs typeface="Noto serif" panose="02020600060500020200" pitchFamily="18" charset="0"/>
+              </a:rPr>
+              <a:t>It </a:t>
+            </a:r>
+            <a:r>
+              <a:rPr lang="en-GB" b="0" i="1" dirty="0">
+                <a:solidFill>
+                  <a:schemeClr val="bg1"/>
+                </a:solidFill>
+                <a:effectLst/>
+                <a:latin typeface="Noto serif" panose="02020600060500020200" pitchFamily="18" charset="0"/>
+                <a:ea typeface="Noto serif" panose="02020600060500020200" pitchFamily="18" charset="0"/>
+                <a:cs typeface="Noto serif" panose="02020600060500020200" pitchFamily="18" charset="0"/>
+              </a:rPr>
+              <a:t>is almost impossible that model will get a set of predictors which are entirely independent.	</a:t>
+            </a:r>
+            <a:r>
+              <a:rPr lang="en-GB" b="1" i="1" dirty="0">
+                <a:solidFill>
+                  <a:srgbClr val="FFFF00"/>
+                </a:solidFill>
+                <a:effectLst/>
+                <a:latin typeface="Noto serif" panose="02020600060500020200" pitchFamily="18" charset="0"/>
+                <a:ea typeface="Noto serif" panose="02020600060500020200" pitchFamily="18" charset="0"/>
+                <a:cs typeface="Noto serif" panose="02020600060500020200" pitchFamily="18" charset="0"/>
+              </a:rPr>
+              <a:t>This can lead to incorrect classifications.</a:t>
+            </a:r>
+          </a:p>
+          <a:p>
+            <a:pPr marL="285750" indent="-285750" algn="just">
+              <a:lnSpc>
+                <a:spcPct val="250000"/>
+              </a:lnSpc>
+              <a:buFont typeface="Wingdings" panose="05000000000000000000" pitchFamily="2" charset="2"/>
+              <a:buChar char="Ø"/>
+            </a:pPr>
+            <a:r>
+              <a:rPr lang="en-GB" b="0" i="1" dirty="0">
+                <a:solidFill>
+                  <a:schemeClr val="bg1"/>
+                </a:solidFill>
+                <a:effectLst/>
+                <a:latin typeface="Noto serif" panose="02020600060500020200" pitchFamily="18" charset="0"/>
+                <a:ea typeface="Noto serif" panose="02020600060500020200" pitchFamily="18" charset="0"/>
+                <a:cs typeface="Noto serif" panose="02020600060500020200" pitchFamily="18" charset="0"/>
+              </a:rPr>
+              <a:t>If there is no training tuple of a particular class, this causes zero posterior probability. </a:t>
+            </a:r>
+          </a:p>
+          <a:p>
+            <a:pPr lvl="1" algn="just">
+              <a:lnSpc>
+                <a:spcPct val="250000"/>
+              </a:lnSpc>
+            </a:pPr>
+            <a:r>
+              <a:rPr lang="en-GB" b="1" i="1" dirty="0">
+                <a:solidFill>
+                  <a:schemeClr val="bg1"/>
+                </a:solidFill>
+                <a:effectLst/>
+                <a:latin typeface="Noto serif" panose="02020600060500020200" pitchFamily="18" charset="0"/>
+                <a:ea typeface="Noto serif" panose="02020600060500020200" pitchFamily="18" charset="0"/>
+                <a:cs typeface="Noto serif" panose="02020600060500020200" pitchFamily="18" charset="0"/>
+              </a:rPr>
+              <a:t>	</a:t>
+            </a:r>
+            <a:r>
+              <a:rPr lang="en-GB" b="1" i="1" dirty="0">
+                <a:solidFill>
+                  <a:srgbClr val="FFFF00"/>
+                </a:solidFill>
+                <a:effectLst/>
+                <a:latin typeface="Noto serif" panose="02020600060500020200" pitchFamily="18" charset="0"/>
+                <a:ea typeface="Noto serif" panose="02020600060500020200" pitchFamily="18" charset="0"/>
+                <a:cs typeface="Noto serif" panose="02020600060500020200" pitchFamily="18" charset="0"/>
+              </a:rPr>
+              <a:t>The model is unable to make predictions</a:t>
+            </a:r>
+            <a:endParaRPr lang="en-GB" b="0" i="1" dirty="0">
+              <a:solidFill>
+                <a:schemeClr val="bg1"/>
+              </a:solidFill>
+              <a:effectLst/>
+              <a:latin typeface="Noto serif" panose="02020600060500020200" pitchFamily="18" charset="0"/>
+              <a:ea typeface="Noto serif" panose="02020600060500020200" pitchFamily="18" charset="0"/>
+              <a:cs typeface="Noto serif" panose="02020600060500020200" pitchFamily="18" charset="0"/>
+            </a:endParaRPr>
+          </a:p>
+        </p:txBody>
+      </p:sp>
+    </p:spTree>
+    <p:extLst>
+      <p:ext uri="{BB962C8B-B14F-4D97-AF65-F5344CB8AC3E}">
+        <p14:creationId xmlns:p14="http://schemas.microsoft.com/office/powerpoint/2010/main" val="2498206788"/>
+      </p:ext>
+    </p:extLst>
+  </p:cSld>
+  <p:clrMapOvr>
+    <a:masterClrMapping/>
+  </p:clrMapOvr>
+</p:sld>
+</file>
+
+<file path=ppt/slides/slide17.xml><?xml version="1.0" encoding="utf-8"?>
 <p:sld xmlns:a="http://schemas.openxmlformats.org/drawingml/2006/main" xmlns:r="http://schemas.openxmlformats.org/officeDocument/2006/relationships" xmlns:p="http://schemas.openxmlformats.org/presentationml/2006/main">
   <p:cSld>
     <p:spTree>
@@ -14435,7 +17030,7 @@
           <a:p>
             <a:fld id="{4FEEC90D-D43D-4637-8AB1-318B5662A3A0}" type="slidenum">
               <a:rPr lang="en-DE" smtClean="0"/>
-              <a:t>16</a:t>
+              <a:t>17</a:t>
             </a:fld>
             <a:endParaRPr lang="en-DE"/>
           </a:p>
@@ -14602,10 +17197,10 @@
       </p:sp>
       <p:pic>
         <p:nvPicPr>
-          <p:cNvPr id="11" name="Picture 10">
+          <p:cNvPr id="10" name="Picture 9" descr="A screenshot of a computer&#10;&#10;Description automatically generated with medium confidence">
             <a:extLst>
               <a:ext uri="{FF2B5EF4-FFF2-40B4-BE49-F238E27FC236}">
-                <a16:creationId xmlns:a16="http://schemas.microsoft.com/office/drawing/2014/main" id="{D00676C4-5156-3C83-4610-EDF4847D312E}"/>
+                <a16:creationId xmlns:a16="http://schemas.microsoft.com/office/drawing/2014/main" id="{50093BF6-1328-9603-8A19-D76777832BB0}"/>
               </a:ext>
             </a:extLst>
           </p:cNvPr>
@@ -14614,16 +17209,15 @@
           </p:cNvPicPr>
           <p:nvPr/>
         </p:nvPicPr>
-        <p:blipFill>
+        <p:blipFill rotWithShape="1">
           <a:blip r:embed="rId6"/>
-          <a:stretch>
-            <a:fillRect/>
-          </a:stretch>
+          <a:srcRect l="4535"/>
+          <a:stretch/>
         </p:blipFill>
         <p:spPr>
           <a:xfrm>
-            <a:off x="7123152" y="2763523"/>
-            <a:ext cx="4107216" cy="3099133"/>
+            <a:off x="5834265" y="2880421"/>
+            <a:ext cx="6258207" cy="3113841"/>
           </a:xfrm>
           <a:prstGeom prst="rect">
             <a:avLst/>
@@ -14687,21 +17281,39 @@
                                   </p:childTnLst>
                                 </p:cTn>
                               </p:par>
+                            </p:childTnLst>
+                          </p:cTn>
+                        </p:par>
+                      </p:childTnLst>
+                    </p:cTn>
+                  </p:par>
+                  <p:par>
+                    <p:cTn id="7" fill="hold">
+                      <p:stCondLst>
+                        <p:cond delay="indefinite"/>
+                      </p:stCondLst>
+                      <p:childTnLst>
+                        <p:par>
+                          <p:cTn id="8" fill="hold">
+                            <p:stCondLst>
+                              <p:cond delay="0"/>
+                            </p:stCondLst>
+                            <p:childTnLst>
                               <p:par>
-                                <p:cTn id="7" presetID="1" presetClass="entr" presetSubtype="0" fill="hold" nodeType="withEffect">
+                                <p:cTn id="9" presetID="1" presetClass="entr" presetSubtype="0" fill="hold" nodeType="clickEffect">
                                   <p:stCondLst>
                                     <p:cond delay="0"/>
                                   </p:stCondLst>
                                   <p:childTnLst>
                                     <p:set>
                                       <p:cBhvr>
-                                        <p:cTn id="8" dur="1" fill="hold">
+                                        <p:cTn id="10" dur="1" fill="hold">
                                           <p:stCondLst>
                                             <p:cond delay="0"/>
                                           </p:stCondLst>
                                         </p:cTn>
                                         <p:tgtEl>
-                                          <p:spTgt spid="11"/>
+                                          <p:spTgt spid="10"/>
                                         </p:tgtEl>
                                         <p:attrNameLst>
                                           <p:attrName>style.visibility</p:attrName>
@@ -14711,6 +17323,42 @@
                                         <p:strVal val="visible"/>
                                       </p:to>
                                     </p:set>
+                                  </p:childTnLst>
+                                </p:cTn>
+                              </p:par>
+                            </p:childTnLst>
+                          </p:cTn>
+                        </p:par>
+                      </p:childTnLst>
+                    </p:cTn>
+                  </p:par>
+                  <p:par>
+                    <p:cTn id="11" fill="hold">
+                      <p:stCondLst>
+                        <p:cond delay="indefinite"/>
+                      </p:stCondLst>
+                      <p:childTnLst>
+                        <p:par>
+                          <p:cTn id="12" fill="hold">
+                            <p:stCondLst>
+                              <p:cond delay="0"/>
+                            </p:stCondLst>
+                            <p:childTnLst>
+                              <p:par>
+                                <p:cTn id="13" presetID="6" presetClass="emph" presetSubtype="0" fill="hold" nodeType="clickEffect">
+                                  <p:stCondLst>
+                                    <p:cond delay="0"/>
+                                  </p:stCondLst>
+                                  <p:childTnLst>
+                                    <p:animScale>
+                                      <p:cBhvr>
+                                        <p:cTn id="14" dur="2000" fill="hold"/>
+                                        <p:tgtEl>
+                                          <p:spTgt spid="10"/>
+                                        </p:tgtEl>
+                                      </p:cBhvr>
+                                      <p:by x="150000" y="150000"/>
+                                    </p:animScale>
                                   </p:childTnLst>
                                 </p:cTn>
                               </p:par>
@@ -14748,7 +17396,7 @@
 </p:sld>
 </file>
 
-<file path=ppt/slides/slide17.xml><?xml version="1.0" encoding="utf-8"?>
+<file path=ppt/slides/slide18.xml><?xml version="1.0" encoding="utf-8"?>
 <p:sld xmlns:a="http://schemas.openxmlformats.org/drawingml/2006/main" xmlns:r="http://schemas.openxmlformats.org/officeDocument/2006/relationships" xmlns:p="http://schemas.openxmlformats.org/presentationml/2006/main">
   <p:cSld>
     <p:spTree>
@@ -14924,7 +17572,7 @@
           <a:p>
             <a:fld id="{4FEEC90D-D43D-4637-8AB1-318B5662A3A0}" type="slidenum">
               <a:rPr lang="en-DE" smtClean="0"/>
-              <a:t>17</a:t>
+              <a:t>18</a:t>
             </a:fld>
             <a:endParaRPr lang="en-DE"/>
           </a:p>
@@ -15234,7 +17882,7 @@
 </p:sld>
 </file>
 
-<file path=ppt/slides/slide18.xml><?xml version="1.0" encoding="utf-8"?>
+<file path=ppt/slides/slide19.xml><?xml version="1.0" encoding="utf-8"?>
 <p:sld xmlns:a="http://schemas.openxmlformats.org/drawingml/2006/main" xmlns:r="http://schemas.openxmlformats.org/officeDocument/2006/relationships" xmlns:p="http://schemas.openxmlformats.org/presentationml/2006/main">
   <p:cSld>
     <p:bg>
@@ -15867,7 +18515,7 @@
           <p:nvPr/>
         </p:nvPicPr>
         <p:blipFill rotWithShape="1">
-          <a:blip r:embed="rId2">
+          <a:blip r:embed="rId3">
             <a:duotone>
               <a:prstClr val="black"/>
               <a:schemeClr val="tx2">
@@ -15945,7 +18593,7 @@
           <p:nvPr/>
         </p:nvPicPr>
         <p:blipFill>
-          <a:blip r:embed="rId3"/>
+          <a:blip r:embed="rId4"/>
           <a:stretch>
             <a:fillRect/>
           </a:stretch>
@@ -16170,7 +18818,7 @@
             <p:nvPr/>
           </p:nvPicPr>
           <p:blipFill>
-            <a:blip r:embed="rId4">
+            <a:blip r:embed="rId5">
               <a:extLst>
                 <a:ext uri="{28A0092B-C50C-407E-A947-70E740481C1C}">
                   <a14:useLocalDpi xmlns:a14="http://schemas.microsoft.com/office/drawing/2010/main" val="0"/>
@@ -16205,7 +18853,7 @@
         <p:sp>
           <p:nvSpPr>
             <p:cNvPr id="12" name="TextBox 11">
-              <a:hlinkClick r:id="rId5" action="ppaction://hlinksldjump"/>
+              <a:hlinkClick r:id="rId6" action="ppaction://hlinksldjump"/>
               <a:extLst>
                 <a:ext uri="{FF2B5EF4-FFF2-40B4-BE49-F238E27FC236}">
                   <a16:creationId xmlns:a16="http://schemas.microsoft.com/office/drawing/2014/main" id="{BF3CBD37-7F34-AD45-A5F0-1C28F440430D}"/>
@@ -16234,7 +18882,7 @@
               <a:r>
                 <a:rPr lang="en-GB" sz="1800" b="0" i="0" u="none" strike="noStrike" baseline="0" dirty="0">
                   <a:latin typeface="Segoe UI" panose="020B0502040204020203" pitchFamily="34" charset="0"/>
-                  <a:hlinkClick r:id="rId5" action="ppaction://hlinksldjump"/>
+                  <a:hlinkClick r:id="rId6" action="ppaction://hlinksldjump"/>
                 </a:rPr>
                 <a:t>[1] </a:t>
               </a:r>
@@ -16461,13 +19109,13 @@
         </p:nvSpPr>
         <p:spPr>
           <a:xfrm>
-            <a:off x="838200" y="309221"/>
-            <a:ext cx="10515600" cy="1062459"/>
+            <a:off x="485430" y="163077"/>
+            <a:ext cx="8797628" cy="827301"/>
           </a:xfrm>
         </p:spPr>
         <p:txBody>
           <a:bodyPr vert="horz" lIns="91440" tIns="45720" rIns="91440" bIns="45720" rtlCol="0" anchor="ctr">
-            <a:normAutofit/>
+            <a:normAutofit fontScale="90000"/>
           </a:bodyPr>
           <a:lstStyle/>
           <a:p>
@@ -16478,7 +19126,7 @@
                   <a:schemeClr val="bg1"/>
                 </a:solidFill>
               </a:rPr>
-              <a:t>Bayesian Learning Algorithm</a:t>
+              <a:t>Naïve Bayes</a:t>
             </a:r>
           </a:p>
         </p:txBody>
@@ -16567,6 +19215,333 @@
               <a:t>4</a:t>
             </a:fld>
             <a:endParaRPr lang="en-DE"/>
+          </a:p>
+        </p:txBody>
+      </p:sp>
+      <p:sp>
+        <p:nvSpPr>
+          <p:cNvPr id="6" name="TextBox 5">
+            <a:extLst>
+              <a:ext uri="{FF2B5EF4-FFF2-40B4-BE49-F238E27FC236}">
+                <a16:creationId xmlns:a16="http://schemas.microsoft.com/office/drawing/2014/main" id="{2406086A-FE2F-4B37-05B7-5742197B1581}"/>
+              </a:ext>
+            </a:extLst>
+          </p:cNvPr>
+          <p:cNvSpPr txBox="1"/>
+          <p:nvPr/>
+        </p:nvSpPr>
+        <p:spPr>
+          <a:xfrm>
+            <a:off x="445548" y="2038096"/>
+            <a:ext cx="5168672" cy="2784480"/>
+          </a:xfrm>
+          <a:prstGeom prst="rect">
+            <a:avLst/>
+          </a:prstGeom>
+          <a:noFill/>
+        </p:spPr>
+        <p:txBody>
+          <a:bodyPr wrap="square" rtlCol="0">
+            <a:spAutoFit/>
+          </a:bodyPr>
+          <a:lstStyle/>
+          <a:p>
+            <a:pPr algn="just">
+              <a:lnSpc>
+                <a:spcPct val="200000"/>
+              </a:lnSpc>
+            </a:pPr>
+            <a:r>
+              <a:rPr lang="en-GB" b="0" i="1" dirty="0">
+                <a:solidFill>
+                  <a:schemeClr val="bg1"/>
+                </a:solidFill>
+                <a:effectLst/>
+                <a:latin typeface="Noto serif" panose="02020600060500020200" pitchFamily="18" charset="0"/>
+              </a:rPr>
+              <a:t>Naïve Bayes is based on applying Bayes theorem with the ”naïve” assumption of independence between each and every pair of features i.e., knowing the value of one attribute does influence the value of any other attribute</a:t>
+            </a:r>
+            <a:endParaRPr lang="en-DE" i="1" dirty="0">
+              <a:solidFill>
+                <a:schemeClr val="bg1"/>
+              </a:solidFill>
+            </a:endParaRPr>
+          </a:p>
+        </p:txBody>
+      </p:sp>
+      <p:graphicFrame>
+        <p:nvGraphicFramePr>
+          <p:cNvPr id="9" name="Diagram 8">
+            <a:extLst>
+              <a:ext uri="{FF2B5EF4-FFF2-40B4-BE49-F238E27FC236}">
+                <a16:creationId xmlns:a16="http://schemas.microsoft.com/office/drawing/2014/main" id="{FCF7ADC0-D712-5A3C-A152-1C13FBC6F23B}"/>
+              </a:ext>
+            </a:extLst>
+          </p:cNvPr>
+          <p:cNvGraphicFramePr/>
+          <p:nvPr>
+            <p:extLst>
+              <p:ext uri="{D42A27DB-BD31-4B8C-83A1-F6EECF244321}">
+                <p14:modId xmlns:p14="http://schemas.microsoft.com/office/powerpoint/2010/main" val="1655012996"/>
+              </p:ext>
+            </p:extLst>
+          </p:nvPr>
+        </p:nvGraphicFramePr>
+        <p:xfrm>
+          <a:off x="3762478" y="654614"/>
+          <a:ext cx="8128000" cy="5418667"/>
+        </p:xfrm>
+        <a:graphic>
+          <a:graphicData uri="http://schemas.openxmlformats.org/drawingml/2006/diagram">
+            <dgm:relIds xmlns:dgm="http://schemas.openxmlformats.org/drawingml/2006/diagram" xmlns:r="http://schemas.openxmlformats.org/officeDocument/2006/relationships" r:dm="rId5" r:lo="rId6" r:qs="rId7" r:cs="rId8"/>
+          </a:graphicData>
+        </a:graphic>
+      </p:graphicFrame>
+      <p:sp>
+        <p:nvSpPr>
+          <p:cNvPr id="7" name="TextBox 6">
+            <a:extLst>
+              <a:ext uri="{FF2B5EF4-FFF2-40B4-BE49-F238E27FC236}">
+                <a16:creationId xmlns:a16="http://schemas.microsoft.com/office/drawing/2014/main" id="{2EABDA88-B2C9-766B-EA5F-73D8BF0B6ED9}"/>
+              </a:ext>
+            </a:extLst>
+          </p:cNvPr>
+          <p:cNvSpPr txBox="1"/>
+          <p:nvPr/>
+        </p:nvSpPr>
+        <p:spPr>
+          <a:xfrm>
+            <a:off x="1723313" y="5831245"/>
+            <a:ext cx="8797628" cy="369332"/>
+          </a:xfrm>
+          <a:prstGeom prst="rect">
+            <a:avLst/>
+          </a:prstGeom>
+          <a:noFill/>
+        </p:spPr>
+        <p:txBody>
+          <a:bodyPr wrap="square" rtlCol="0">
+            <a:spAutoFit/>
+          </a:bodyPr>
+          <a:lstStyle/>
+          <a:p>
+            <a:pPr algn="ctr"/>
+            <a:r>
+              <a:rPr lang="en-GB" b="0" i="0" dirty="0">
+                <a:solidFill>
+                  <a:schemeClr val="bg1"/>
+                </a:solidFill>
+                <a:effectLst/>
+                <a:highlight>
+                  <a:srgbClr val="800000"/>
+                </a:highlight>
+                <a:latin typeface="Noto serif" panose="02020600060500020200" pitchFamily="18" charset="0"/>
+              </a:rPr>
+              <a:t>The main aim of Naïve bayes is for classifying high dimensional data set.</a:t>
+            </a:r>
+            <a:endParaRPr lang="en-DE" dirty="0">
+              <a:solidFill>
+                <a:schemeClr val="bg1"/>
+              </a:solidFill>
+              <a:highlight>
+                <a:srgbClr val="800000"/>
+              </a:highlight>
+            </a:endParaRPr>
+          </a:p>
+        </p:txBody>
+      </p:sp>
+    </p:spTree>
+    <p:extLst>
+      <p:ext uri="{BB962C8B-B14F-4D97-AF65-F5344CB8AC3E}">
+        <p14:creationId xmlns:p14="http://schemas.microsoft.com/office/powerpoint/2010/main" val="2477632739"/>
+      </p:ext>
+    </p:extLst>
+  </p:cSld>
+  <p:clrMapOvr>
+    <a:masterClrMapping/>
+  </p:clrMapOvr>
+</p:sld>
+</file>
+
+<file path=ppt/slides/slide5.xml><?xml version="1.0" encoding="utf-8"?>
+<p:sld xmlns:a="http://schemas.openxmlformats.org/drawingml/2006/main" xmlns:r="http://schemas.openxmlformats.org/officeDocument/2006/relationships" xmlns:p="http://schemas.openxmlformats.org/presentationml/2006/main">
+  <p:cSld>
+    <p:spTree>
+      <p:nvGrpSpPr>
+        <p:cNvPr id="1" name=""/>
+        <p:cNvGrpSpPr/>
+        <p:nvPr/>
+      </p:nvGrpSpPr>
+      <p:grpSpPr>
+        <a:xfrm>
+          <a:off x="0" y="0"/>
+          <a:ext cx="0" cy="0"/>
+          <a:chOff x="0" y="0"/>
+          <a:chExt cx="0" cy="0"/>
+        </a:xfrm>
+      </p:grpSpPr>
+      <p:pic>
+        <p:nvPicPr>
+          <p:cNvPr id="8" name="Picture 7">
+            <a:extLst>
+              <a:ext uri="{FF2B5EF4-FFF2-40B4-BE49-F238E27FC236}">
+                <a16:creationId xmlns:a16="http://schemas.microsoft.com/office/drawing/2014/main" id="{D8CB3B7F-185C-46B8-F4E9-D19A861994CC}"/>
+              </a:ext>
+            </a:extLst>
+          </p:cNvPr>
+          <p:cNvPicPr>
+            <a:picLocks noChangeAspect="1"/>
+          </p:cNvPicPr>
+          <p:nvPr/>
+        </p:nvPicPr>
+        <p:blipFill rotWithShape="1">
+          <a:blip r:embed="rId3">
+            <a:duotone>
+              <a:prstClr val="black"/>
+              <a:schemeClr val="tx2">
+                <a:tint val="45000"/>
+                <a:satMod val="400000"/>
+              </a:schemeClr>
+            </a:duotone>
+            <a:alphaModFix amt="25000"/>
+          </a:blip>
+          <a:srcRect t="15730"/>
+          <a:stretch/>
+        </p:blipFill>
+        <p:spPr>
+          <a:xfrm>
+            <a:off x="20" y="10"/>
+            <a:ext cx="12191980" cy="6857990"/>
+          </a:xfrm>
+          <a:prstGeom prst="rect">
+            <a:avLst/>
+          </a:prstGeom>
+        </p:spPr>
+      </p:pic>
+      <p:sp>
+        <p:nvSpPr>
+          <p:cNvPr id="2" name="Title 1">
+            <a:extLst>
+              <a:ext uri="{FF2B5EF4-FFF2-40B4-BE49-F238E27FC236}">
+                <a16:creationId xmlns:a16="http://schemas.microsoft.com/office/drawing/2014/main" id="{F6D544CE-A2D7-99D1-CA01-4EE7B7FF489D}"/>
+              </a:ext>
+            </a:extLst>
+          </p:cNvPr>
+          <p:cNvSpPr>
+            <a:spLocks noGrp="1"/>
+          </p:cNvSpPr>
+          <p:nvPr>
+            <p:ph type="title"/>
+          </p:nvPr>
+        </p:nvSpPr>
+        <p:spPr>
+          <a:xfrm>
+            <a:off x="838200" y="309221"/>
+            <a:ext cx="10515600" cy="1062459"/>
+          </a:xfrm>
+        </p:spPr>
+        <p:txBody>
+          <a:bodyPr vert="horz" lIns="91440" tIns="45720" rIns="91440" bIns="45720" rtlCol="0" anchor="ctr">
+            <a:normAutofit/>
+          </a:bodyPr>
+          <a:lstStyle/>
+          <a:p>
+            <a:pPr algn="ctr"/>
+            <a:r>
+              <a:rPr lang="en-US" sz="6000" b="1" dirty="0">
+                <a:solidFill>
+                  <a:schemeClr val="bg1"/>
+                </a:solidFill>
+              </a:rPr>
+              <a:t>Bayesian Learning Algorithm</a:t>
+            </a:r>
+          </a:p>
+        </p:txBody>
+      </p:sp>
+      <p:pic>
+        <p:nvPicPr>
+          <p:cNvPr id="3" name="Picture 2">
+            <a:extLst>
+              <a:ext uri="{FF2B5EF4-FFF2-40B4-BE49-F238E27FC236}">
+                <a16:creationId xmlns:a16="http://schemas.microsoft.com/office/drawing/2014/main" id="{F7EEB457-28D4-7CC5-9DD2-2F29E70A8070}"/>
+              </a:ext>
+            </a:extLst>
+          </p:cNvPr>
+          <p:cNvPicPr>
+            <a:picLocks noChangeAspect="1"/>
+          </p:cNvPicPr>
+          <p:nvPr/>
+        </p:nvPicPr>
+        <p:blipFill>
+          <a:blip r:embed="rId4"/>
+          <a:stretch>
+            <a:fillRect/>
+          </a:stretch>
+        </p:blipFill>
+        <p:spPr>
+          <a:xfrm>
+            <a:off x="9768468" y="136525"/>
+            <a:ext cx="2324004" cy="345393"/>
+          </a:xfrm>
+          <a:prstGeom prst="rect">
+            <a:avLst/>
+          </a:prstGeom>
+        </p:spPr>
+      </p:pic>
+      <p:sp>
+        <p:nvSpPr>
+          <p:cNvPr id="4" name="Date Placeholder 3">
+            <a:extLst>
+              <a:ext uri="{FF2B5EF4-FFF2-40B4-BE49-F238E27FC236}">
+                <a16:creationId xmlns:a16="http://schemas.microsoft.com/office/drawing/2014/main" id="{3EACAE7E-5628-764E-8E18-BE9F34822A9E}"/>
+              </a:ext>
+            </a:extLst>
+          </p:cNvPr>
+          <p:cNvSpPr>
+            <a:spLocks noGrp="1"/>
+          </p:cNvSpPr>
+          <p:nvPr>
+            <p:ph type="dt" sz="half" idx="10"/>
+          </p:nvPr>
+        </p:nvSpPr>
+        <p:spPr/>
+        <p:txBody>
+          <a:bodyPr/>
+          <a:lstStyle/>
+          <a:p>
+            <a:r>
+              <a:rPr lang="en-DE"/>
+              <a:t>09/06/2023</a:t>
+            </a:r>
+          </a:p>
+        </p:txBody>
+      </p:sp>
+      <p:sp>
+        <p:nvSpPr>
+          <p:cNvPr id="5" name="Slide Number Placeholder 4">
+            <a:extLst>
+              <a:ext uri="{FF2B5EF4-FFF2-40B4-BE49-F238E27FC236}">
+                <a16:creationId xmlns:a16="http://schemas.microsoft.com/office/drawing/2014/main" id="{93A23751-531F-DE15-90AE-3D3630F610CD}"/>
+              </a:ext>
+            </a:extLst>
+          </p:cNvPr>
+          <p:cNvSpPr>
+            <a:spLocks noGrp="1"/>
+          </p:cNvSpPr>
+          <p:nvPr>
+            <p:ph type="sldNum" sz="quarter" idx="12"/>
+          </p:nvPr>
+        </p:nvSpPr>
+        <p:spPr/>
+        <p:txBody>
+          <a:bodyPr/>
+          <a:lstStyle/>
+          <a:p>
+            <a:fld id="{4FEEC90D-D43D-4637-8AB1-318B5662A3A0}" type="slidenum">
+              <a:rPr lang="en-DE" smtClean="0"/>
+              <a:t>5</a:t>
+            </a:fld>
+            <a:endParaRPr lang="en-DE" dirty="0"/>
           </a:p>
         </p:txBody>
       </p:sp>
@@ -16720,6 +19695,50 @@
           </a:p>
         </p:txBody>
       </p:sp>
+      <p:sp>
+        <p:nvSpPr>
+          <p:cNvPr id="9" name="TextBox 8">
+            <a:extLst>
+              <a:ext uri="{FF2B5EF4-FFF2-40B4-BE49-F238E27FC236}">
+                <a16:creationId xmlns:a16="http://schemas.microsoft.com/office/drawing/2014/main" id="{24BEA2F6-0A16-5E40-3992-A176FEBEEB6E}"/>
+              </a:ext>
+            </a:extLst>
+          </p:cNvPr>
+          <p:cNvSpPr txBox="1"/>
+          <p:nvPr/>
+        </p:nvSpPr>
+        <p:spPr>
+          <a:xfrm>
+            <a:off x="11748493" y="5048231"/>
+            <a:ext cx="687957" cy="369332"/>
+          </a:xfrm>
+          <a:prstGeom prst="rect">
+            <a:avLst/>
+          </a:prstGeom>
+          <a:noFill/>
+        </p:spPr>
+        <p:txBody>
+          <a:bodyPr wrap="square">
+            <a:spAutoFit/>
+          </a:bodyPr>
+          <a:lstStyle/>
+          <a:p>
+            <a:r>
+              <a:rPr lang="en-GB" sz="1800" b="0" i="0" u="none" strike="noStrike" baseline="0" dirty="0">
+                <a:solidFill>
+                  <a:schemeClr val="bg1"/>
+                </a:solidFill>
+                <a:latin typeface="Noto serif" panose="02020600060500020200" pitchFamily="18" charset="0"/>
+                <a:ea typeface="Noto serif" panose="02020600060500020200" pitchFamily="18" charset="0"/>
+                <a:cs typeface="Noto serif" panose="02020600060500020200" pitchFamily="18" charset="0"/>
+                <a:hlinkClick r:id="rId6" action="ppaction://hlinksldjump"/>
+              </a:rPr>
+              <a:t>[1] </a:t>
+            </a:r>
+            <a:endParaRPr lang="en-DE" dirty="0"/>
+          </a:p>
+        </p:txBody>
+      </p:sp>
     </p:spTree>
     <p:extLst>
       <p:ext uri="{BB962C8B-B14F-4D97-AF65-F5344CB8AC3E}">
@@ -16733,7 +19752,7 @@
 </p:sld>
 </file>
 
-<file path=ppt/slides/slide5.xml><?xml version="1.0" encoding="utf-8"?>
+<file path=ppt/slides/slide6.xml><?xml version="1.0" encoding="utf-8"?>
 <p:sld xmlns:a="http://schemas.openxmlformats.org/drawingml/2006/main" xmlns:r="http://schemas.openxmlformats.org/officeDocument/2006/relationships" xmlns:p="http://schemas.openxmlformats.org/presentationml/2006/main">
   <p:cSld>
     <p:spTree>
@@ -16912,7 +19931,7 @@
           <a:p>
             <a:fld id="{4FEEC90D-D43D-4637-8AB1-318B5662A3A0}" type="slidenum">
               <a:rPr lang="en-DE" smtClean="0"/>
-              <a:t>5</a:t>
+              <a:t>6</a:t>
             </a:fld>
             <a:endParaRPr lang="en-DE"/>
           </a:p>
@@ -17061,333 +20080,6 @@
     <p:extLst>
       <p:ext uri="{BB962C8B-B14F-4D97-AF65-F5344CB8AC3E}">
         <p14:creationId xmlns:p14="http://schemas.microsoft.com/office/powerpoint/2010/main" val="4100155457"/>
-      </p:ext>
-    </p:extLst>
-  </p:cSld>
-  <p:clrMapOvr>
-    <a:masterClrMapping/>
-  </p:clrMapOvr>
-</p:sld>
-</file>
-
-<file path=ppt/slides/slide6.xml><?xml version="1.0" encoding="utf-8"?>
-<p:sld xmlns:a="http://schemas.openxmlformats.org/drawingml/2006/main" xmlns:r="http://schemas.openxmlformats.org/officeDocument/2006/relationships" xmlns:p="http://schemas.openxmlformats.org/presentationml/2006/main">
-  <p:cSld>
-    <p:spTree>
-      <p:nvGrpSpPr>
-        <p:cNvPr id="1" name=""/>
-        <p:cNvGrpSpPr/>
-        <p:nvPr/>
-      </p:nvGrpSpPr>
-      <p:grpSpPr>
-        <a:xfrm>
-          <a:off x="0" y="0"/>
-          <a:ext cx="0" cy="0"/>
-          <a:chOff x="0" y="0"/>
-          <a:chExt cx="0" cy="0"/>
-        </a:xfrm>
-      </p:grpSpPr>
-      <p:pic>
-        <p:nvPicPr>
-          <p:cNvPr id="8" name="Picture 7">
-            <a:extLst>
-              <a:ext uri="{FF2B5EF4-FFF2-40B4-BE49-F238E27FC236}">
-                <a16:creationId xmlns:a16="http://schemas.microsoft.com/office/drawing/2014/main" id="{D8CB3B7F-185C-46B8-F4E9-D19A861994CC}"/>
-              </a:ext>
-            </a:extLst>
-          </p:cNvPr>
-          <p:cNvPicPr>
-            <a:picLocks noChangeAspect="1"/>
-          </p:cNvPicPr>
-          <p:nvPr/>
-        </p:nvPicPr>
-        <p:blipFill rotWithShape="1">
-          <a:blip r:embed="rId3">
-            <a:duotone>
-              <a:prstClr val="black"/>
-              <a:schemeClr val="tx2">
-                <a:tint val="45000"/>
-                <a:satMod val="400000"/>
-              </a:schemeClr>
-            </a:duotone>
-            <a:alphaModFix amt="25000"/>
-          </a:blip>
-          <a:srcRect t="15730"/>
-          <a:stretch/>
-        </p:blipFill>
-        <p:spPr>
-          <a:xfrm>
-            <a:off x="20" y="10"/>
-            <a:ext cx="12191980" cy="6857990"/>
-          </a:xfrm>
-          <a:prstGeom prst="rect">
-            <a:avLst/>
-          </a:prstGeom>
-        </p:spPr>
-      </p:pic>
-      <p:sp>
-        <p:nvSpPr>
-          <p:cNvPr id="2" name="Title 1">
-            <a:extLst>
-              <a:ext uri="{FF2B5EF4-FFF2-40B4-BE49-F238E27FC236}">
-                <a16:creationId xmlns:a16="http://schemas.microsoft.com/office/drawing/2014/main" id="{F6D544CE-A2D7-99D1-CA01-4EE7B7FF489D}"/>
-              </a:ext>
-            </a:extLst>
-          </p:cNvPr>
-          <p:cNvSpPr>
-            <a:spLocks noGrp="1"/>
-          </p:cNvSpPr>
-          <p:nvPr>
-            <p:ph type="title"/>
-          </p:nvPr>
-        </p:nvSpPr>
-        <p:spPr>
-          <a:xfrm>
-            <a:off x="485430" y="163077"/>
-            <a:ext cx="8797628" cy="827301"/>
-          </a:xfrm>
-        </p:spPr>
-        <p:txBody>
-          <a:bodyPr vert="horz" lIns="91440" tIns="45720" rIns="91440" bIns="45720" rtlCol="0" anchor="ctr">
-            <a:normAutofit fontScale="90000"/>
-          </a:bodyPr>
-          <a:lstStyle/>
-          <a:p>
-            <a:pPr algn="ctr"/>
-            <a:r>
-              <a:rPr lang="en-US" sz="6000" b="1" dirty="0">
-                <a:solidFill>
-                  <a:schemeClr val="bg1"/>
-                </a:solidFill>
-              </a:rPr>
-              <a:t>Naïve Bayes</a:t>
-            </a:r>
-          </a:p>
-        </p:txBody>
-      </p:sp>
-      <p:pic>
-        <p:nvPicPr>
-          <p:cNvPr id="3" name="Picture 2">
-            <a:extLst>
-              <a:ext uri="{FF2B5EF4-FFF2-40B4-BE49-F238E27FC236}">
-                <a16:creationId xmlns:a16="http://schemas.microsoft.com/office/drawing/2014/main" id="{F7EEB457-28D4-7CC5-9DD2-2F29E70A8070}"/>
-              </a:ext>
-            </a:extLst>
-          </p:cNvPr>
-          <p:cNvPicPr>
-            <a:picLocks noChangeAspect="1"/>
-          </p:cNvPicPr>
-          <p:nvPr/>
-        </p:nvPicPr>
-        <p:blipFill>
-          <a:blip r:embed="rId4"/>
-          <a:stretch>
-            <a:fillRect/>
-          </a:stretch>
-        </p:blipFill>
-        <p:spPr>
-          <a:xfrm>
-            <a:off x="9768468" y="136525"/>
-            <a:ext cx="2324004" cy="345393"/>
-          </a:xfrm>
-          <a:prstGeom prst="rect">
-            <a:avLst/>
-          </a:prstGeom>
-        </p:spPr>
-      </p:pic>
-      <p:sp>
-        <p:nvSpPr>
-          <p:cNvPr id="4" name="Date Placeholder 3">
-            <a:extLst>
-              <a:ext uri="{FF2B5EF4-FFF2-40B4-BE49-F238E27FC236}">
-                <a16:creationId xmlns:a16="http://schemas.microsoft.com/office/drawing/2014/main" id="{3EACAE7E-5628-764E-8E18-BE9F34822A9E}"/>
-              </a:ext>
-            </a:extLst>
-          </p:cNvPr>
-          <p:cNvSpPr>
-            <a:spLocks noGrp="1"/>
-          </p:cNvSpPr>
-          <p:nvPr>
-            <p:ph type="dt" sz="half" idx="10"/>
-          </p:nvPr>
-        </p:nvSpPr>
-        <p:spPr/>
-        <p:txBody>
-          <a:bodyPr/>
-          <a:lstStyle/>
-          <a:p>
-            <a:r>
-              <a:rPr lang="en-DE"/>
-              <a:t>09/06/2023</a:t>
-            </a:r>
-          </a:p>
-        </p:txBody>
-      </p:sp>
-      <p:sp>
-        <p:nvSpPr>
-          <p:cNvPr id="5" name="Slide Number Placeholder 4">
-            <a:extLst>
-              <a:ext uri="{FF2B5EF4-FFF2-40B4-BE49-F238E27FC236}">
-                <a16:creationId xmlns:a16="http://schemas.microsoft.com/office/drawing/2014/main" id="{93A23751-531F-DE15-90AE-3D3630F610CD}"/>
-              </a:ext>
-            </a:extLst>
-          </p:cNvPr>
-          <p:cNvSpPr>
-            <a:spLocks noGrp="1"/>
-          </p:cNvSpPr>
-          <p:nvPr>
-            <p:ph type="sldNum" sz="quarter" idx="12"/>
-          </p:nvPr>
-        </p:nvSpPr>
-        <p:spPr/>
-        <p:txBody>
-          <a:bodyPr/>
-          <a:lstStyle/>
-          <a:p>
-            <a:fld id="{4FEEC90D-D43D-4637-8AB1-318B5662A3A0}" type="slidenum">
-              <a:rPr lang="en-DE" smtClean="0"/>
-              <a:t>6</a:t>
-            </a:fld>
-            <a:endParaRPr lang="en-DE"/>
-          </a:p>
-        </p:txBody>
-      </p:sp>
-      <p:sp>
-        <p:nvSpPr>
-          <p:cNvPr id="6" name="TextBox 5">
-            <a:extLst>
-              <a:ext uri="{FF2B5EF4-FFF2-40B4-BE49-F238E27FC236}">
-                <a16:creationId xmlns:a16="http://schemas.microsoft.com/office/drawing/2014/main" id="{2406086A-FE2F-4B37-05B7-5742197B1581}"/>
-              </a:ext>
-            </a:extLst>
-          </p:cNvPr>
-          <p:cNvSpPr txBox="1"/>
-          <p:nvPr/>
-        </p:nvSpPr>
-        <p:spPr>
-          <a:xfrm>
-            <a:off x="445548" y="2038096"/>
-            <a:ext cx="5168672" cy="2784480"/>
-          </a:xfrm>
-          <a:prstGeom prst="rect">
-            <a:avLst/>
-          </a:prstGeom>
-          <a:noFill/>
-        </p:spPr>
-        <p:txBody>
-          <a:bodyPr wrap="square" rtlCol="0">
-            <a:spAutoFit/>
-          </a:bodyPr>
-          <a:lstStyle/>
-          <a:p>
-            <a:pPr algn="just">
-              <a:lnSpc>
-                <a:spcPct val="200000"/>
-              </a:lnSpc>
-            </a:pPr>
-            <a:r>
-              <a:rPr lang="en-GB" b="0" i="1" dirty="0">
-                <a:solidFill>
-                  <a:schemeClr val="bg1"/>
-                </a:solidFill>
-                <a:effectLst/>
-                <a:latin typeface="Noto serif" panose="02020600060500020200" pitchFamily="18" charset="0"/>
-              </a:rPr>
-              <a:t>Naïve Bayes is based on applying Bayes theorem with the ”naïve” assumption of independence between each and every pair of features i.e., knowing the value of one attribute does influence the value of any other attribute</a:t>
-            </a:r>
-            <a:endParaRPr lang="en-DE" i="1" dirty="0">
-              <a:solidFill>
-                <a:schemeClr val="bg1"/>
-              </a:solidFill>
-            </a:endParaRPr>
-          </a:p>
-        </p:txBody>
-      </p:sp>
-      <p:graphicFrame>
-        <p:nvGraphicFramePr>
-          <p:cNvPr id="9" name="Diagram 8">
-            <a:extLst>
-              <a:ext uri="{FF2B5EF4-FFF2-40B4-BE49-F238E27FC236}">
-                <a16:creationId xmlns:a16="http://schemas.microsoft.com/office/drawing/2014/main" id="{FCF7ADC0-D712-5A3C-A152-1C13FBC6F23B}"/>
-              </a:ext>
-            </a:extLst>
-          </p:cNvPr>
-          <p:cNvGraphicFramePr/>
-          <p:nvPr>
-            <p:extLst>
-              <p:ext uri="{D42A27DB-BD31-4B8C-83A1-F6EECF244321}">
-                <p14:modId xmlns:p14="http://schemas.microsoft.com/office/powerpoint/2010/main" val="1655012996"/>
-              </p:ext>
-            </p:extLst>
-          </p:nvPr>
-        </p:nvGraphicFramePr>
-        <p:xfrm>
-          <a:off x="3762478" y="654614"/>
-          <a:ext cx="8128000" cy="5418667"/>
-        </p:xfrm>
-        <a:graphic>
-          <a:graphicData uri="http://schemas.openxmlformats.org/drawingml/2006/diagram">
-            <dgm:relIds xmlns:dgm="http://schemas.openxmlformats.org/drawingml/2006/diagram" xmlns:r="http://schemas.openxmlformats.org/officeDocument/2006/relationships" r:dm="rId5" r:lo="rId6" r:qs="rId7" r:cs="rId8"/>
-          </a:graphicData>
-        </a:graphic>
-      </p:graphicFrame>
-      <p:sp>
-        <p:nvSpPr>
-          <p:cNvPr id="7" name="TextBox 6">
-            <a:extLst>
-              <a:ext uri="{FF2B5EF4-FFF2-40B4-BE49-F238E27FC236}">
-                <a16:creationId xmlns:a16="http://schemas.microsoft.com/office/drawing/2014/main" id="{2EABDA88-B2C9-766B-EA5F-73D8BF0B6ED9}"/>
-              </a:ext>
-            </a:extLst>
-          </p:cNvPr>
-          <p:cNvSpPr txBox="1"/>
-          <p:nvPr/>
-        </p:nvSpPr>
-        <p:spPr>
-          <a:xfrm>
-            <a:off x="1723313" y="5831245"/>
-            <a:ext cx="8797628" cy="369332"/>
-          </a:xfrm>
-          <a:prstGeom prst="rect">
-            <a:avLst/>
-          </a:prstGeom>
-          <a:noFill/>
-        </p:spPr>
-        <p:txBody>
-          <a:bodyPr wrap="square" rtlCol="0">
-            <a:spAutoFit/>
-          </a:bodyPr>
-          <a:lstStyle/>
-          <a:p>
-            <a:pPr algn="ctr"/>
-            <a:r>
-              <a:rPr lang="en-GB" b="0" i="0" dirty="0">
-                <a:solidFill>
-                  <a:schemeClr val="bg1"/>
-                </a:solidFill>
-                <a:effectLst/>
-                <a:highlight>
-                  <a:srgbClr val="800000"/>
-                </a:highlight>
-                <a:latin typeface="Noto serif" panose="02020600060500020200" pitchFamily="18" charset="0"/>
-              </a:rPr>
-              <a:t>The main aim of Naïve bayes is for classifying high dimensional data set.</a:t>
-            </a:r>
-            <a:endParaRPr lang="en-DE" dirty="0">
-              <a:solidFill>
-                <a:schemeClr val="bg1"/>
-              </a:solidFill>
-              <a:highlight>
-                <a:srgbClr val="800000"/>
-              </a:highlight>
-            </a:endParaRPr>
-          </a:p>
-        </p:txBody>
-      </p:sp>
-    </p:spTree>
-    <p:extLst>
-      <p:ext uri="{BB962C8B-B14F-4D97-AF65-F5344CB8AC3E}">
-        <p14:creationId xmlns:p14="http://schemas.microsoft.com/office/powerpoint/2010/main" val="2477632739"/>
       </p:ext>
     </p:extLst>
   </p:cSld>
@@ -17429,7 +20121,7 @@
           <p:nvPr/>
         </p:nvPicPr>
         <p:blipFill rotWithShape="1">
-          <a:blip r:embed="rId2">
+          <a:blip r:embed="rId3">
             <a:duotone>
               <a:prstClr val="black"/>
               <a:schemeClr val="tx2">
@@ -17507,7 +20199,7 @@
           <p:nvPr/>
         </p:nvPicPr>
         <p:blipFill>
-          <a:blip r:embed="rId3"/>
+          <a:blip r:embed="rId4"/>
           <a:stretch>
             <a:fillRect/>
           </a:stretch>
@@ -17594,7 +20286,7 @@
           <p:nvPr/>
         </p:nvPicPr>
         <p:blipFill>
-          <a:blip r:embed="rId4">
+          <a:blip r:embed="rId5">
             <a:extLst>
               <a:ext uri="{28A0092B-C50C-407E-A947-70E740481C1C}">
                 <a14:useLocalDpi xmlns:a14="http://schemas.microsoft.com/office/drawing/2010/main" val="0"/>
@@ -17674,6 +20366,50 @@
                 <a:schemeClr val="bg1"/>
               </a:solidFill>
             </a:endParaRPr>
+          </a:p>
+        </p:txBody>
+      </p:sp>
+      <p:sp>
+        <p:nvSpPr>
+          <p:cNvPr id="6" name="TextBox 5">
+            <a:extLst>
+              <a:ext uri="{FF2B5EF4-FFF2-40B4-BE49-F238E27FC236}">
+                <a16:creationId xmlns:a16="http://schemas.microsoft.com/office/drawing/2014/main" id="{67140911-E107-C02F-B5F1-76A3B44F9C5E}"/>
+              </a:ext>
+            </a:extLst>
+          </p:cNvPr>
+          <p:cNvSpPr txBox="1"/>
+          <p:nvPr/>
+        </p:nvSpPr>
+        <p:spPr>
+          <a:xfrm>
+            <a:off x="11607131" y="5765133"/>
+            <a:ext cx="687957" cy="369332"/>
+          </a:xfrm>
+          <a:prstGeom prst="rect">
+            <a:avLst/>
+          </a:prstGeom>
+          <a:noFill/>
+        </p:spPr>
+        <p:txBody>
+          <a:bodyPr wrap="square">
+            <a:spAutoFit/>
+          </a:bodyPr>
+          <a:lstStyle/>
+          <a:p>
+            <a:r>
+              <a:rPr lang="en-GB" sz="1800" b="0" i="0" u="none" strike="noStrike" baseline="0" dirty="0">
+                <a:solidFill>
+                  <a:schemeClr val="bg1"/>
+                </a:solidFill>
+                <a:latin typeface="Noto serif" panose="02020600060500020200" pitchFamily="18" charset="0"/>
+                <a:ea typeface="Noto serif" panose="02020600060500020200" pitchFamily="18" charset="0"/>
+                <a:cs typeface="Noto serif" panose="02020600060500020200" pitchFamily="18" charset="0"/>
+                <a:hlinkClick r:id="rId6" action="ppaction://hlinksldjump"/>
+              </a:rPr>
+              <a:t>[1] </a:t>
+            </a:r>
+            <a:endParaRPr lang="en-DE" dirty="0"/>
           </a:p>
         </p:txBody>
       </p:sp>
@@ -18355,6 +21091,162 @@
           </a:extLst>
         </p:spPr>
       </p:pic>
+      <p:sp>
+        <p:nvSpPr>
+          <p:cNvPr id="6" name="Rectangle 5">
+            <a:extLst>
+              <a:ext uri="{FF2B5EF4-FFF2-40B4-BE49-F238E27FC236}">
+                <a16:creationId xmlns:a16="http://schemas.microsoft.com/office/drawing/2014/main" id="{B852D3B6-1AA3-0E75-944B-E8FDCC864F31}"/>
+              </a:ext>
+            </a:extLst>
+          </p:cNvPr>
+          <p:cNvSpPr/>
+          <p:nvPr/>
+        </p:nvSpPr>
+        <p:spPr>
+          <a:xfrm>
+            <a:off x="756673" y="1601441"/>
+            <a:ext cx="4889740" cy="407230"/>
+          </a:xfrm>
+          <a:prstGeom prst="rect">
+            <a:avLst/>
+          </a:prstGeom>
+          <a:noFill/>
+          <a:ln w="38100">
+            <a:solidFill>
+              <a:srgbClr val="C00000"/>
+            </a:solidFill>
+          </a:ln>
+        </p:spPr>
+        <p:style>
+          <a:lnRef idx="2">
+            <a:schemeClr val="accent1">
+              <a:shade val="50000"/>
+            </a:schemeClr>
+          </a:lnRef>
+          <a:fillRef idx="1">
+            <a:schemeClr val="accent1"/>
+          </a:fillRef>
+          <a:effectRef idx="0">
+            <a:schemeClr val="accent1"/>
+          </a:effectRef>
+          <a:fontRef idx="minor">
+            <a:schemeClr val="lt1"/>
+          </a:fontRef>
+        </p:style>
+        <p:txBody>
+          <a:bodyPr rtlCol="0" anchor="ctr"/>
+          <a:lstStyle/>
+          <a:p>
+            <a:pPr algn="ctr"/>
+            <a:endParaRPr lang="en-DE"/>
+          </a:p>
+        </p:txBody>
+      </p:sp>
+      <p:sp>
+        <p:nvSpPr>
+          <p:cNvPr id="7" name="Rectangle 6">
+            <a:extLst>
+              <a:ext uri="{FF2B5EF4-FFF2-40B4-BE49-F238E27FC236}">
+                <a16:creationId xmlns:a16="http://schemas.microsoft.com/office/drawing/2014/main" id="{FB6E521C-9C2B-B8A9-E4F9-ED7AF8FEB066}"/>
+              </a:ext>
+            </a:extLst>
+          </p:cNvPr>
+          <p:cNvSpPr/>
+          <p:nvPr/>
+        </p:nvSpPr>
+        <p:spPr>
+          <a:xfrm>
+            <a:off x="756673" y="2008670"/>
+            <a:ext cx="2719772" cy="1221713"/>
+          </a:xfrm>
+          <a:prstGeom prst="rect">
+            <a:avLst/>
+          </a:prstGeom>
+          <a:noFill/>
+          <a:ln w="38100">
+            <a:solidFill>
+              <a:srgbClr val="C00000"/>
+            </a:solidFill>
+          </a:ln>
+        </p:spPr>
+        <p:style>
+          <a:lnRef idx="2">
+            <a:schemeClr val="accent1">
+              <a:shade val="50000"/>
+            </a:schemeClr>
+          </a:lnRef>
+          <a:fillRef idx="1">
+            <a:schemeClr val="accent1"/>
+          </a:fillRef>
+          <a:effectRef idx="0">
+            <a:schemeClr val="accent1"/>
+          </a:effectRef>
+          <a:fontRef idx="minor">
+            <a:schemeClr val="lt1"/>
+          </a:fontRef>
+        </p:style>
+        <p:txBody>
+          <a:bodyPr rtlCol="0" anchor="ctr"/>
+          <a:lstStyle/>
+          <a:p>
+            <a:pPr algn="ctr"/>
+            <a:endParaRPr lang="en-DE"/>
+          </a:p>
+        </p:txBody>
+      </p:sp>
+      <p:sp>
+        <p:nvSpPr>
+          <p:cNvPr id="9" name="Rectangle 8">
+            <a:extLst>
+              <a:ext uri="{FF2B5EF4-FFF2-40B4-BE49-F238E27FC236}">
+                <a16:creationId xmlns:a16="http://schemas.microsoft.com/office/drawing/2014/main" id="{322689A9-068D-414B-51D3-E74AEECCD453}"/>
+              </a:ext>
+            </a:extLst>
+          </p:cNvPr>
+          <p:cNvSpPr/>
+          <p:nvPr/>
+        </p:nvSpPr>
+        <p:spPr>
+          <a:xfrm>
+            <a:off x="756673" y="3313294"/>
+            <a:ext cx="2719772" cy="1655521"/>
+          </a:xfrm>
+          <a:prstGeom prst="rect">
+            <a:avLst/>
+          </a:prstGeom>
+          <a:noFill/>
+          <a:ln w="38100">
+            <a:solidFill>
+              <a:srgbClr val="C00000"/>
+            </a:solidFill>
+          </a:ln>
+        </p:spPr>
+        <p:style>
+          <a:lnRef idx="2">
+            <a:schemeClr val="accent1">
+              <a:shade val="50000"/>
+            </a:schemeClr>
+          </a:lnRef>
+          <a:fillRef idx="1">
+            <a:schemeClr val="accent1"/>
+          </a:fillRef>
+          <a:effectRef idx="0">
+            <a:schemeClr val="accent1"/>
+          </a:effectRef>
+          <a:fontRef idx="minor">
+            <a:schemeClr val="lt1"/>
+          </a:fontRef>
+        </p:style>
+        <p:txBody>
+          <a:bodyPr rtlCol="0" anchor="ctr"/>
+          <a:lstStyle/>
+          <a:p>
+            <a:pPr algn="ctr"/>
+            <a:endParaRPr lang="en-DE"/>
+          </a:p>
+        </p:txBody>
+      </p:sp>
     </p:spTree>
     <p:extLst>
       <p:ext uri="{BB962C8B-B14F-4D97-AF65-F5344CB8AC3E}">
@@ -18431,7 +21323,7 @@
                             </p:stCondLst>
                             <p:childTnLst>
                               <p:par>
-                                <p:cTn id="9" presetID="1" presetClass="entr" presetSubtype="0" fill="hold" nodeType="clickEffect">
+                                <p:cTn id="9" presetID="1" presetClass="entr" presetSubtype="0" fill="hold" grpId="0" nodeType="clickEffect">
                                   <p:stCondLst>
                                     <p:cond delay="0"/>
                                   </p:stCondLst>
@@ -18444,7 +21336,7 @@
                                           </p:stCondLst>
                                         </p:cTn>
                                         <p:tgtEl>
-                                          <p:spTgt spid="2050"/>
+                                          <p:spTgt spid="6"/>
                                         </p:tgtEl>
                                         <p:attrNameLst>
                                           <p:attrName>style.visibility</p:attrName>
@@ -18476,20 +21368,29 @@
                             </p:stCondLst>
                             <p:childTnLst>
                               <p:par>
-                                <p:cTn id="13" presetID="6" presetClass="emph" presetSubtype="0" fill="hold" nodeType="clickEffect">
+                                <p:cTn id="13" presetID="1" presetClass="exit" presetSubtype="0" fill="hold" grpId="1" nodeType="clickEffect">
                                   <p:stCondLst>
                                     <p:cond delay="0"/>
                                   </p:stCondLst>
                                   <p:childTnLst>
-                                    <p:animScale>
+                                    <p:set>
                                       <p:cBhvr>
-                                        <p:cTn id="14" dur="2000" fill="hold"/>
+                                        <p:cTn id="14" dur="1" fill="hold">
+                                          <p:stCondLst>
+                                            <p:cond delay="0"/>
+                                          </p:stCondLst>
+                                        </p:cTn>
                                         <p:tgtEl>
-                                          <p:spTgt spid="2050"/>
+                                          <p:spTgt spid="6"/>
                                         </p:tgtEl>
+                                        <p:attrNameLst>
+                                          <p:attrName>style.visibility</p:attrName>
+                                        </p:attrNameLst>
                                       </p:cBhvr>
-                                      <p:by x="150000" y="150000"/>
-                                    </p:animScale>
+                                      <p:to>
+                                        <p:strVal val="hidden"/>
+                                      </p:to>
+                                    </p:set>
                                   </p:childTnLst>
                                 </p:cTn>
                               </p:par>
@@ -18512,7 +21413,7 @@
                             </p:stCondLst>
                             <p:childTnLst>
                               <p:par>
-                                <p:cTn id="17" presetID="1" presetClass="exit" presetSubtype="0" fill="hold" nodeType="clickEffect">
+                                <p:cTn id="17" presetID="1" presetClass="entr" presetSubtype="0" fill="hold" grpId="0" nodeType="clickEffect">
                                   <p:stCondLst>
                                     <p:cond delay="0"/>
                                   </p:stCondLst>
@@ -18525,14 +21426,14 @@
                                           </p:stCondLst>
                                         </p:cTn>
                                         <p:tgtEl>
-                                          <p:spTgt spid="2050"/>
+                                          <p:spTgt spid="7"/>
                                         </p:tgtEl>
                                         <p:attrNameLst>
                                           <p:attrName>style.visibility</p:attrName>
                                         </p:attrNameLst>
                                       </p:cBhvr>
                                       <p:to>
-                                        <p:strVal val="hidden"/>
+                                        <p:strVal val="visible"/>
                                       </p:to>
                                     </p:set>
                                   </p:childTnLst>
@@ -18557,7 +21458,7 @@
                             </p:stCondLst>
                             <p:childTnLst>
                               <p:par>
-                                <p:cTn id="21" presetID="1" presetClass="entr" presetSubtype="0" fill="hold" nodeType="clickEffect">
+                                <p:cTn id="21" presetID="1" presetClass="exit" presetSubtype="0" fill="hold" grpId="1" nodeType="clickEffect">
                                   <p:stCondLst>
                                     <p:cond delay="0"/>
                                   </p:stCondLst>
@@ -18565,6 +21466,222 @@
                                     <p:set>
                                       <p:cBhvr>
                                         <p:cTn id="22" dur="1" fill="hold">
+                                          <p:stCondLst>
+                                            <p:cond delay="0"/>
+                                          </p:stCondLst>
+                                        </p:cTn>
+                                        <p:tgtEl>
+                                          <p:spTgt spid="7"/>
+                                        </p:tgtEl>
+                                        <p:attrNameLst>
+                                          <p:attrName>style.visibility</p:attrName>
+                                        </p:attrNameLst>
+                                      </p:cBhvr>
+                                      <p:to>
+                                        <p:strVal val="hidden"/>
+                                      </p:to>
+                                    </p:set>
+                                  </p:childTnLst>
+                                </p:cTn>
+                              </p:par>
+                            </p:childTnLst>
+                          </p:cTn>
+                        </p:par>
+                      </p:childTnLst>
+                    </p:cTn>
+                  </p:par>
+                  <p:par>
+                    <p:cTn id="23" fill="hold">
+                      <p:stCondLst>
+                        <p:cond delay="indefinite"/>
+                      </p:stCondLst>
+                      <p:childTnLst>
+                        <p:par>
+                          <p:cTn id="24" fill="hold">
+                            <p:stCondLst>
+                              <p:cond delay="0"/>
+                            </p:stCondLst>
+                            <p:childTnLst>
+                              <p:par>
+                                <p:cTn id="25" presetID="1" presetClass="entr" presetSubtype="0" fill="hold" grpId="0" nodeType="clickEffect">
+                                  <p:stCondLst>
+                                    <p:cond delay="0"/>
+                                  </p:stCondLst>
+                                  <p:childTnLst>
+                                    <p:set>
+                                      <p:cBhvr>
+                                        <p:cTn id="26" dur="1" fill="hold">
+                                          <p:stCondLst>
+                                            <p:cond delay="0"/>
+                                          </p:stCondLst>
+                                        </p:cTn>
+                                        <p:tgtEl>
+                                          <p:spTgt spid="9"/>
+                                        </p:tgtEl>
+                                        <p:attrNameLst>
+                                          <p:attrName>style.visibility</p:attrName>
+                                        </p:attrNameLst>
+                                      </p:cBhvr>
+                                      <p:to>
+                                        <p:strVal val="visible"/>
+                                      </p:to>
+                                    </p:set>
+                                  </p:childTnLst>
+                                </p:cTn>
+                              </p:par>
+                            </p:childTnLst>
+                          </p:cTn>
+                        </p:par>
+                      </p:childTnLst>
+                    </p:cTn>
+                  </p:par>
+                  <p:par>
+                    <p:cTn id="27" fill="hold">
+                      <p:stCondLst>
+                        <p:cond delay="indefinite"/>
+                      </p:stCondLst>
+                      <p:childTnLst>
+                        <p:par>
+                          <p:cTn id="28" fill="hold">
+                            <p:stCondLst>
+                              <p:cond delay="0"/>
+                            </p:stCondLst>
+                            <p:childTnLst>
+                              <p:par>
+                                <p:cTn id="29" presetID="1" presetClass="exit" presetSubtype="0" fill="hold" grpId="1" nodeType="clickEffect">
+                                  <p:stCondLst>
+                                    <p:cond delay="0"/>
+                                  </p:stCondLst>
+                                  <p:childTnLst>
+                                    <p:set>
+                                      <p:cBhvr>
+                                        <p:cTn id="30" dur="1" fill="hold">
+                                          <p:stCondLst>
+                                            <p:cond delay="0"/>
+                                          </p:stCondLst>
+                                        </p:cTn>
+                                        <p:tgtEl>
+                                          <p:spTgt spid="9"/>
+                                        </p:tgtEl>
+                                        <p:attrNameLst>
+                                          <p:attrName>style.visibility</p:attrName>
+                                        </p:attrNameLst>
+                                      </p:cBhvr>
+                                      <p:to>
+                                        <p:strVal val="hidden"/>
+                                      </p:to>
+                                    </p:set>
+                                  </p:childTnLst>
+                                </p:cTn>
+                              </p:par>
+                            </p:childTnLst>
+                          </p:cTn>
+                        </p:par>
+                      </p:childTnLst>
+                    </p:cTn>
+                  </p:par>
+                  <p:par>
+                    <p:cTn id="31" fill="hold">
+                      <p:stCondLst>
+                        <p:cond delay="indefinite"/>
+                      </p:stCondLst>
+                      <p:childTnLst>
+                        <p:par>
+                          <p:cTn id="32" fill="hold">
+                            <p:stCondLst>
+                              <p:cond delay="0"/>
+                            </p:stCondLst>
+                            <p:childTnLst>
+                              <p:par>
+                                <p:cTn id="33" presetID="1" presetClass="entr" presetSubtype="0" fill="hold" nodeType="clickEffect">
+                                  <p:stCondLst>
+                                    <p:cond delay="0"/>
+                                  </p:stCondLst>
+                                  <p:childTnLst>
+                                    <p:set>
+                                      <p:cBhvr>
+                                        <p:cTn id="34" dur="1" fill="hold">
+                                          <p:stCondLst>
+                                            <p:cond delay="0"/>
+                                          </p:stCondLst>
+                                        </p:cTn>
+                                        <p:tgtEl>
+                                          <p:spTgt spid="2050"/>
+                                        </p:tgtEl>
+                                        <p:attrNameLst>
+                                          <p:attrName>style.visibility</p:attrName>
+                                        </p:attrNameLst>
+                                      </p:cBhvr>
+                                      <p:to>
+                                        <p:strVal val="visible"/>
+                                      </p:to>
+                                    </p:set>
+                                  </p:childTnLst>
+                                </p:cTn>
+                              </p:par>
+                            </p:childTnLst>
+                          </p:cTn>
+                        </p:par>
+                      </p:childTnLst>
+                    </p:cTn>
+                  </p:par>
+                  <p:par>
+                    <p:cTn id="35" fill="hold">
+                      <p:stCondLst>
+                        <p:cond delay="indefinite"/>
+                      </p:stCondLst>
+                      <p:childTnLst>
+                        <p:par>
+                          <p:cTn id="36" fill="hold">
+                            <p:stCondLst>
+                              <p:cond delay="0"/>
+                            </p:stCondLst>
+                            <p:childTnLst>
+                              <p:par>
+                                <p:cTn id="37" presetID="6" presetClass="emph" presetSubtype="0" fill="hold" nodeType="clickEffect">
+                                  <p:stCondLst>
+                                    <p:cond delay="0"/>
+                                  </p:stCondLst>
+                                  <p:childTnLst>
+                                    <p:animScale>
+                                      <p:cBhvr>
+                                        <p:cTn id="38" dur="2000" fill="hold"/>
+                                        <p:tgtEl>
+                                          <p:spTgt spid="2050"/>
+                                        </p:tgtEl>
+                                      </p:cBhvr>
+                                      <p:by x="150000" y="150000"/>
+                                    </p:animScale>
+                                  </p:childTnLst>
+                                </p:cTn>
+                              </p:par>
+                            </p:childTnLst>
+                          </p:cTn>
+                        </p:par>
+                      </p:childTnLst>
+                    </p:cTn>
+                  </p:par>
+                  <p:par>
+                    <p:cTn id="39" fill="hold">
+                      <p:stCondLst>
+                        <p:cond delay="indefinite"/>
+                      </p:stCondLst>
+                      <p:childTnLst>
+                        <p:par>
+                          <p:cTn id="40" fill="hold">
+                            <p:stCondLst>
+                              <p:cond delay="0"/>
+                            </p:stCondLst>
+                            <p:childTnLst>
+                              <p:par>
+                                <p:cTn id="41" presetID="1" presetClass="entr" presetSubtype="0" fill="hold" nodeType="clickEffect">
+                                  <p:stCondLst>
+                                    <p:cond delay="0"/>
+                                  </p:stCondLst>
+                                  <p:childTnLst>
+                                    <p:set>
+                                      <p:cBhvr>
+                                        <p:cTn id="42" dur="1" fill="hold">
                                           <p:stCondLst>
                                             <p:cond delay="0"/>
                                           </p:stCondLst>
@@ -18610,6 +21727,14 @@
         </p:cTn>
       </p:par>
     </p:tnLst>
+    <p:bldLst>
+      <p:bldP spid="6" grpId="0" animBg="1"/>
+      <p:bldP spid="6" grpId="1" animBg="1"/>
+      <p:bldP spid="7" grpId="0" animBg="1"/>
+      <p:bldP spid="7" grpId="1" animBg="1"/>
+      <p:bldP spid="9" grpId="0" animBg="1"/>
+      <p:bldP spid="9" grpId="1" animBg="1"/>
+    </p:bldLst>
   </p:timing>
 </p:sld>
 </file>
